--- a/Presentation/스크립트기획발표_미완성v2.pptx
+++ b/Presentation/스크립트기획발표_미완성v2.pptx
@@ -3696,6 +3696,66 @@
           </a:p>
         </p:txBody>
       </p:sp>
+      <p:sp>
+        <p:nvSpPr>
+          <p:cNvPr id="4" name="TextBox 3">
+            <a:extLst>
+              <a:ext uri="{FF2B5EF4-FFF2-40B4-BE49-F238E27FC236}">
+                <a16:creationId xmlns:a16="http://schemas.microsoft.com/office/drawing/2014/main" id="{6A5A5ABB-41CD-4B4E-AB68-C6C6DE6CF480}"/>
+              </a:ext>
+            </a:extLst>
+          </p:cNvPr>
+          <p:cNvSpPr txBox="1"/>
+          <p:nvPr/>
+        </p:nvSpPr>
+        <p:spPr>
+          <a:xfrm>
+            <a:off x="5952227" y="6532760"/>
+            <a:ext cx="6239774" cy="307777"/>
+          </a:xfrm>
+          <a:prstGeom prst="rect">
+            <a:avLst/>
+          </a:prstGeom>
+          <a:noFill/>
+        </p:spPr>
+        <p:txBody>
+          <a:bodyPr wrap="square" rtlCol="0">
+            <a:spAutoFit/>
+          </a:bodyPr>
+          <a:lstStyle/>
+          <a:p>
+            <a:r>
+              <a:rPr lang="en-US" altLang="ko-KR" sz="1400" i="1" dirty="0"/>
+              <a:t>pptx</a:t>
+            </a:r>
+            <a:r>
+              <a:rPr lang="ko-KR" altLang="en-US" sz="1400" i="1" dirty="0"/>
+              <a:t> </a:t>
+            </a:r>
+            <a:r>
+              <a:rPr lang="en-US" altLang="ko-KR" sz="1400" i="1" dirty="0"/>
+              <a:t>file </a:t>
+            </a:r>
+            <a:r>
+              <a:rPr lang="ko-KR" altLang="en-US" sz="1400" i="1" dirty="0"/>
+              <a:t>무단수정</a:t>
+            </a:r>
+            <a:r>
+              <a:rPr lang="en-US" altLang="ko-KR" sz="1400" i="1" dirty="0"/>
+              <a:t>/</a:t>
+            </a:r>
+            <a:r>
+              <a:rPr lang="ko-KR" altLang="en-US" sz="1400" i="1" dirty="0"/>
+              <a:t>배포금지 </a:t>
+            </a:r>
+            <a:r>
+              <a:rPr lang="en-US" altLang="ko-KR" sz="1400" i="1" dirty="0"/>
+              <a:t>Copyright©2019 Team ‘PS’ All rights reserved</a:t>
+            </a:r>
+            <a:endParaRPr lang="ko-KR" altLang="en-US" sz="1400" i="1" dirty="0"/>
+          </a:p>
+        </p:txBody>
+      </p:sp>
     </p:spTree>
     <p:extLst>
       <p:ext uri="{BB962C8B-B14F-4D97-AF65-F5344CB8AC3E}">
@@ -5201,6 +5261,263 @@
           <a:p>
             <a:pPr algn="ctr"/>
             <a:endParaRPr lang="ko-KR" altLang="en-US" dirty="0"/>
+          </a:p>
+        </p:txBody>
+      </p:sp>
+      <p:sp>
+        <p:nvSpPr>
+          <p:cNvPr id="11" name="TextBox 10">
+            <a:extLst>
+              <a:ext uri="{FF2B5EF4-FFF2-40B4-BE49-F238E27FC236}">
+                <a16:creationId xmlns:a16="http://schemas.microsoft.com/office/drawing/2014/main" id="{75C4AE35-1217-4DB4-886D-33712A5F91F5}"/>
+              </a:ext>
+            </a:extLst>
+          </p:cNvPr>
+          <p:cNvSpPr txBox="1"/>
+          <p:nvPr/>
+        </p:nvSpPr>
+        <p:spPr>
+          <a:xfrm>
+            <a:off x="4667077" y="1417739"/>
+            <a:ext cx="4988651" cy="3354765"/>
+          </a:xfrm>
+          <a:prstGeom prst="rect">
+            <a:avLst/>
+          </a:prstGeom>
+          <a:noFill/>
+        </p:spPr>
+        <p:txBody>
+          <a:bodyPr wrap="square" rtlCol="0">
+            <a:spAutoFit/>
+          </a:bodyPr>
+          <a:lstStyle/>
+          <a:p>
+            <a:pPr marL="285750" indent="-285750">
+              <a:buFontTx/>
+              <a:buChar char="-"/>
+            </a:pPr>
+            <a:r>
+              <a:rPr lang="en-US" altLang="ko-KR" dirty="0">
+                <a:latin typeface="나눔바른고딕OTF" panose="02020603020101020101" pitchFamily="18" charset="-127"/>
+                <a:ea typeface="나눔바른고딕OTF" panose="02020603020101020101" pitchFamily="18" charset="-127"/>
+              </a:rPr>
+              <a:t>Tk</a:t>
+            </a:r>
+            <a:r>
+              <a:rPr lang="ko-KR" altLang="en-US" dirty="0">
+                <a:latin typeface="나눔바른고딕OTF" panose="02020603020101020101" pitchFamily="18" charset="-127"/>
+                <a:ea typeface="나눔바른고딕OTF" panose="02020603020101020101" pitchFamily="18" charset="-127"/>
+              </a:rPr>
+              <a:t> </a:t>
+            </a:r>
+            <a:r>
+              <a:rPr lang="en-US" altLang="ko-KR" dirty="0">
+                <a:latin typeface="나눔바른고딕OTF" panose="02020603020101020101" pitchFamily="18" charset="-127"/>
+                <a:ea typeface="나눔바른고딕OTF" panose="02020603020101020101" pitchFamily="18" charset="-127"/>
+              </a:rPr>
+              <a:t>GUI</a:t>
+            </a:r>
+            <a:r>
+              <a:rPr lang="ko-KR" altLang="en-US" dirty="0">
+                <a:latin typeface="나눔바른고딕OTF" panose="02020603020101020101" pitchFamily="18" charset="-127"/>
+                <a:ea typeface="나눔바른고딕OTF" panose="02020603020101020101" pitchFamily="18" charset="-127"/>
+              </a:rPr>
+              <a:t>를 활용한 윈도우 구성</a:t>
+            </a:r>
+            <a:endParaRPr lang="en-US" altLang="ko-KR" dirty="0">
+              <a:latin typeface="나눔바른고딕OTF" panose="02020603020101020101" pitchFamily="18" charset="-127"/>
+              <a:ea typeface="나눔바른고딕OTF" panose="02020603020101020101" pitchFamily="18" charset="-127"/>
+            </a:endParaRPr>
+          </a:p>
+          <a:p>
+            <a:pPr marL="285750" indent="-285750">
+              <a:buFontTx/>
+              <a:buChar char="-"/>
+            </a:pPr>
+            <a:endParaRPr lang="en-US" altLang="ko-KR" dirty="0">
+              <a:latin typeface="나눔바른고딕OTF" panose="02020603020101020101" pitchFamily="18" charset="-127"/>
+              <a:ea typeface="나눔바른고딕OTF" panose="02020603020101020101" pitchFamily="18" charset="-127"/>
+            </a:endParaRPr>
+          </a:p>
+          <a:p>
+            <a:pPr marL="285750" indent="-285750">
+              <a:buFontTx/>
+              <a:buChar char="-"/>
+            </a:pPr>
+            <a:r>
+              <a:rPr lang="en-US" altLang="ko-KR" dirty="0">
+                <a:latin typeface="나눔바른고딕OTF" panose="02020603020101020101" pitchFamily="18" charset="-127"/>
+                <a:ea typeface="나눔바른고딕OTF" panose="02020603020101020101" pitchFamily="18" charset="-127"/>
+              </a:rPr>
+              <a:t>Tab</a:t>
+            </a:r>
+            <a:r>
+              <a:rPr lang="ko-KR" altLang="en-US" dirty="0">
+                <a:latin typeface="나눔바른고딕OTF" panose="02020603020101020101" pitchFamily="18" charset="-127"/>
+                <a:ea typeface="나눔바른고딕OTF" panose="02020603020101020101" pitchFamily="18" charset="-127"/>
+              </a:rPr>
+              <a:t>을 이용한 앱 기능 분기</a:t>
+            </a:r>
+            <a:endParaRPr lang="en-US" altLang="ko-KR" dirty="0">
+              <a:latin typeface="나눔바른고딕OTF" panose="02020603020101020101" pitchFamily="18" charset="-127"/>
+              <a:ea typeface="나눔바른고딕OTF" panose="02020603020101020101" pitchFamily="18" charset="-127"/>
+            </a:endParaRPr>
+          </a:p>
+          <a:p>
+            <a:endParaRPr lang="en-US" altLang="ko-KR" dirty="0">
+              <a:latin typeface="나눔바른고딕OTF" panose="02020603020101020101" pitchFamily="18" charset="-127"/>
+              <a:ea typeface="나눔바른고딕OTF" panose="02020603020101020101" pitchFamily="18" charset="-127"/>
+            </a:endParaRPr>
+          </a:p>
+          <a:p>
+            <a:pPr marL="285750" indent="-285750">
+              <a:buFontTx/>
+              <a:buChar char="-"/>
+            </a:pPr>
+            <a:r>
+              <a:rPr lang="en-US" altLang="ko-KR" dirty="0">
+                <a:latin typeface="나눔바른고딕OTF" panose="02020603020101020101" pitchFamily="18" charset="-127"/>
+                <a:ea typeface="나눔바른고딕OTF" panose="02020603020101020101" pitchFamily="18" charset="-127"/>
+              </a:rPr>
+              <a:t>DNF </a:t>
+            </a:r>
+            <a:r>
+              <a:rPr lang="ko-KR" altLang="en-US" dirty="0">
+                <a:latin typeface="나눔바른고딕OTF" panose="02020603020101020101" pitchFamily="18" charset="-127"/>
+                <a:ea typeface="나눔바른고딕OTF" panose="02020603020101020101" pitchFamily="18" charset="-127"/>
+              </a:rPr>
+              <a:t>데이터베이스 아이템 검색 및 출력 기능 구현</a:t>
+            </a:r>
+            <a:endParaRPr lang="en-US" altLang="ko-KR" dirty="0">
+              <a:latin typeface="나눔바른고딕OTF" panose="02020603020101020101" pitchFamily="18" charset="-127"/>
+              <a:ea typeface="나눔바른고딕OTF" panose="02020603020101020101" pitchFamily="18" charset="-127"/>
+            </a:endParaRPr>
+          </a:p>
+          <a:p>
+            <a:pPr marL="285750" indent="-285750">
+              <a:buFontTx/>
+              <a:buChar char="-"/>
+            </a:pPr>
+            <a:endParaRPr lang="en-US" altLang="ko-KR" dirty="0">
+              <a:latin typeface="나눔바른고딕OTF" panose="02020603020101020101" pitchFamily="18" charset="-127"/>
+              <a:ea typeface="나눔바른고딕OTF" panose="02020603020101020101" pitchFamily="18" charset="-127"/>
+            </a:endParaRPr>
+          </a:p>
+          <a:p>
+            <a:pPr marL="285750" indent="-285750">
+              <a:buFontTx/>
+              <a:buChar char="-"/>
+            </a:pPr>
+            <a:r>
+              <a:rPr lang="en-US" altLang="ko-KR" dirty="0">
+                <a:latin typeface="나눔바른고딕OTF" panose="02020603020101020101" pitchFamily="18" charset="-127"/>
+                <a:ea typeface="나눔바른고딕OTF" panose="02020603020101020101" pitchFamily="18" charset="-127"/>
+              </a:rPr>
+              <a:t>LOL </a:t>
+            </a:r>
+            <a:r>
+              <a:rPr lang="ko-KR" altLang="en-US" dirty="0" err="1">
+                <a:latin typeface="나눔바른고딕OTF" panose="02020603020101020101" pitchFamily="18" charset="-127"/>
+                <a:ea typeface="나눔바른고딕OTF" panose="02020603020101020101" pitchFamily="18" charset="-127"/>
+              </a:rPr>
+              <a:t>소환사</a:t>
+            </a:r>
+            <a:r>
+              <a:rPr lang="ko-KR" altLang="en-US" dirty="0">
+                <a:latin typeface="나눔바른고딕OTF" panose="02020603020101020101" pitchFamily="18" charset="-127"/>
+                <a:ea typeface="나눔바른고딕OTF" panose="02020603020101020101" pitchFamily="18" charset="-127"/>
+              </a:rPr>
+              <a:t> 검색 및 출력 기능 구현</a:t>
+            </a:r>
+            <a:endParaRPr lang="en-US" altLang="ko-KR" dirty="0">
+              <a:latin typeface="나눔바른고딕OTF" panose="02020603020101020101" pitchFamily="18" charset="-127"/>
+              <a:ea typeface="나눔바른고딕OTF" panose="02020603020101020101" pitchFamily="18" charset="-127"/>
+            </a:endParaRPr>
+          </a:p>
+          <a:p>
+            <a:pPr marL="285750" indent="-285750">
+              <a:buFontTx/>
+              <a:buChar char="-"/>
+            </a:pPr>
+            <a:endParaRPr lang="en-US" altLang="ko-KR" dirty="0">
+              <a:latin typeface="나눔바른고딕OTF" panose="02020603020101020101" pitchFamily="18" charset="-127"/>
+              <a:ea typeface="나눔바른고딕OTF" panose="02020603020101020101" pitchFamily="18" charset="-127"/>
+            </a:endParaRPr>
+          </a:p>
+          <a:p>
+            <a:pPr marL="285750" indent="-285750">
+              <a:buFontTx/>
+              <a:buChar char="-"/>
+            </a:pPr>
+            <a:r>
+              <a:rPr lang="ko-KR" altLang="en-US" dirty="0">
+                <a:latin typeface="나눔바른고딕OTF" panose="02020603020101020101" pitchFamily="18" charset="-127"/>
+                <a:ea typeface="나눔바른고딕OTF" panose="02020603020101020101" pitchFamily="18" charset="-127"/>
+              </a:rPr>
+              <a:t>추가 리소스 수집 및 제작</a:t>
+            </a:r>
+            <a:endParaRPr lang="en-US" altLang="ko-KR" dirty="0">
+              <a:latin typeface="나눔바른고딕OTF" panose="02020603020101020101" pitchFamily="18" charset="-127"/>
+              <a:ea typeface="나눔바른고딕OTF" panose="02020603020101020101" pitchFamily="18" charset="-127"/>
+            </a:endParaRPr>
+          </a:p>
+          <a:p>
+            <a:pPr marL="285750" indent="-285750">
+              <a:buFontTx/>
+              <a:buChar char="-"/>
+            </a:pPr>
+            <a:endParaRPr lang="en-US" altLang="ko-KR" dirty="0">
+              <a:latin typeface="나눔바른고딕OTF" panose="02020603020101020101" pitchFamily="18" charset="-127"/>
+              <a:ea typeface="나눔바른고딕OTF" panose="02020603020101020101" pitchFamily="18" charset="-127"/>
+            </a:endParaRPr>
+          </a:p>
+          <a:p>
+            <a:pPr marL="285750" indent="-285750">
+              <a:buFontTx/>
+              <a:buChar char="-"/>
+            </a:pPr>
+            <a:endParaRPr lang="en-US" altLang="ko-KR" dirty="0">
+              <a:latin typeface="나눔바른고딕OTF" panose="02020603020101020101" pitchFamily="18" charset="-127"/>
+              <a:ea typeface="나눔바른고딕OTF" panose="02020603020101020101" pitchFamily="18" charset="-127"/>
+            </a:endParaRPr>
+          </a:p>
+          <a:p>
+            <a:pPr algn="r"/>
+            <a:r>
+              <a:rPr lang="en-US" altLang="ko-KR" sz="1400" i="1" dirty="0">
+                <a:latin typeface="나눔바른고딕OTF" panose="02020603020101020101" pitchFamily="18" charset="-127"/>
+                <a:ea typeface="나눔바른고딕OTF" panose="02020603020101020101" pitchFamily="18" charset="-127"/>
+              </a:rPr>
+              <a:t>(</a:t>
+            </a:r>
+            <a:r>
+              <a:rPr lang="ko-KR" altLang="en-US" sz="1400" i="1" dirty="0">
+                <a:latin typeface="나눔바른고딕OTF" panose="02020603020101020101" pitchFamily="18" charset="-127"/>
+                <a:ea typeface="나눔바른고딕OTF" panose="02020603020101020101" pitchFamily="18" charset="-127"/>
+              </a:rPr>
+              <a:t>강의 </a:t>
+            </a:r>
+            <a:r>
+              <a:rPr lang="en-US" altLang="ko-KR" sz="1400" i="1" dirty="0">
+                <a:latin typeface="나눔바른고딕OTF" panose="02020603020101020101" pitchFamily="18" charset="-127"/>
+                <a:ea typeface="나눔바른고딕OTF" panose="02020603020101020101" pitchFamily="18" charset="-127"/>
+              </a:rPr>
+              <a:t>11~12</a:t>
+            </a:r>
+            <a:r>
+              <a:rPr lang="ko-KR" altLang="en-US" sz="1400" i="1" dirty="0">
+                <a:latin typeface="나눔바른고딕OTF" panose="02020603020101020101" pitchFamily="18" charset="-127"/>
+                <a:ea typeface="나눔바른고딕OTF" panose="02020603020101020101" pitchFamily="18" charset="-127"/>
+              </a:rPr>
+              <a:t>주차</a:t>
+            </a:r>
+            <a:r>
+              <a:rPr lang="en-US" altLang="ko-KR" sz="1400" i="1" dirty="0">
+                <a:latin typeface="나눔바른고딕OTF" panose="02020603020101020101" pitchFamily="18" charset="-127"/>
+                <a:ea typeface="나눔바른고딕OTF" panose="02020603020101020101" pitchFamily="18" charset="-127"/>
+              </a:rPr>
+              <a:t>)</a:t>
+            </a:r>
           </a:p>
         </p:txBody>
       </p:sp>
@@ -6727,6 +7044,223 @@
           </a:p>
         </p:txBody>
       </p:sp>
+      <p:sp>
+        <p:nvSpPr>
+          <p:cNvPr id="10" name="TextBox 9">
+            <a:extLst>
+              <a:ext uri="{FF2B5EF4-FFF2-40B4-BE49-F238E27FC236}">
+                <a16:creationId xmlns:a16="http://schemas.microsoft.com/office/drawing/2014/main" id="{6725ADAB-A911-4A38-9BD1-1ADD0D7C5457}"/>
+              </a:ext>
+            </a:extLst>
+          </p:cNvPr>
+          <p:cNvSpPr txBox="1"/>
+          <p:nvPr/>
+        </p:nvSpPr>
+        <p:spPr>
+          <a:xfrm>
+            <a:off x="6483845" y="1417739"/>
+            <a:ext cx="4983905" cy="2523768"/>
+          </a:xfrm>
+          <a:prstGeom prst="rect">
+            <a:avLst/>
+          </a:prstGeom>
+          <a:noFill/>
+        </p:spPr>
+        <p:txBody>
+          <a:bodyPr wrap="square" rtlCol="0">
+            <a:spAutoFit/>
+          </a:bodyPr>
+          <a:lstStyle/>
+          <a:p>
+            <a:pPr marL="285750" indent="-285750">
+              <a:buFontTx/>
+              <a:buChar char="-"/>
+            </a:pPr>
+            <a:r>
+              <a:rPr lang="en-US" altLang="ko-KR" dirty="0">
+                <a:latin typeface="나눔바른고딕OTF" panose="02020603020101020101" pitchFamily="18" charset="-127"/>
+                <a:ea typeface="나눔바른고딕OTF" panose="02020603020101020101" pitchFamily="18" charset="-127"/>
+              </a:rPr>
+              <a:t>DNF </a:t>
+            </a:r>
+            <a:r>
+              <a:rPr lang="ko-KR" altLang="en-US" dirty="0">
+                <a:latin typeface="나눔바른고딕OTF" panose="02020603020101020101" pitchFamily="18" charset="-127"/>
+                <a:ea typeface="나눔바른고딕OTF" panose="02020603020101020101" pitchFamily="18" charset="-127"/>
+              </a:rPr>
+              <a:t>경매장 연동 구현</a:t>
+            </a:r>
+            <a:endParaRPr lang="en-US" altLang="ko-KR" dirty="0">
+              <a:latin typeface="나눔바른고딕OTF" panose="02020603020101020101" pitchFamily="18" charset="-127"/>
+              <a:ea typeface="나눔바른고딕OTF" panose="02020603020101020101" pitchFamily="18" charset="-127"/>
+            </a:endParaRPr>
+          </a:p>
+          <a:p>
+            <a:pPr marL="285750" indent="-285750">
+              <a:buFontTx/>
+              <a:buChar char="-"/>
+            </a:pPr>
+            <a:endParaRPr lang="en-US" altLang="ko-KR" dirty="0">
+              <a:latin typeface="나눔바른고딕OTF" panose="02020603020101020101" pitchFamily="18" charset="-127"/>
+              <a:ea typeface="나눔바른고딕OTF" panose="02020603020101020101" pitchFamily="18" charset="-127"/>
+            </a:endParaRPr>
+          </a:p>
+          <a:p>
+            <a:pPr marL="285750" indent="-285750">
+              <a:buFontTx/>
+              <a:buChar char="-"/>
+            </a:pPr>
+            <a:r>
+              <a:rPr lang="en-US" altLang="ko-KR" dirty="0">
+                <a:latin typeface="나눔바른고딕OTF" panose="02020603020101020101" pitchFamily="18" charset="-127"/>
+                <a:ea typeface="나눔바른고딕OTF" panose="02020603020101020101" pitchFamily="18" charset="-127"/>
+              </a:rPr>
+              <a:t>DNF </a:t>
+            </a:r>
+            <a:r>
+              <a:rPr lang="ko-KR" altLang="en-US" dirty="0">
+                <a:latin typeface="나눔바른고딕OTF" panose="02020603020101020101" pitchFamily="18" charset="-127"/>
+                <a:ea typeface="나눔바른고딕OTF" panose="02020603020101020101" pitchFamily="18" charset="-127"/>
+              </a:rPr>
+              <a:t>아이템 검색 후 출력 정보 이미지 연동 보완</a:t>
+            </a:r>
+            <a:endParaRPr lang="en-US" altLang="ko-KR" dirty="0">
+              <a:latin typeface="나눔바른고딕OTF" panose="02020603020101020101" pitchFamily="18" charset="-127"/>
+              <a:ea typeface="나눔바른고딕OTF" panose="02020603020101020101" pitchFamily="18" charset="-127"/>
+            </a:endParaRPr>
+          </a:p>
+          <a:p>
+            <a:pPr marL="285750" indent="-285750">
+              <a:buFontTx/>
+              <a:buChar char="-"/>
+            </a:pPr>
+            <a:endParaRPr lang="en-US" altLang="ko-KR" dirty="0">
+              <a:latin typeface="나눔바른고딕OTF" panose="02020603020101020101" pitchFamily="18" charset="-127"/>
+              <a:ea typeface="나눔바른고딕OTF" panose="02020603020101020101" pitchFamily="18" charset="-127"/>
+            </a:endParaRPr>
+          </a:p>
+          <a:p>
+            <a:pPr marL="285750" indent="-285750">
+              <a:buFontTx/>
+              <a:buChar char="-"/>
+            </a:pPr>
+            <a:r>
+              <a:rPr lang="en-US" altLang="ko-KR" dirty="0">
+                <a:latin typeface="나눔바른고딕OTF" panose="02020603020101020101" pitchFamily="18" charset="-127"/>
+                <a:ea typeface="나눔바른고딕OTF" panose="02020603020101020101" pitchFamily="18" charset="-127"/>
+              </a:rPr>
+              <a:t>LOL </a:t>
+            </a:r>
+            <a:r>
+              <a:rPr lang="ko-KR" altLang="en-US" dirty="0" err="1">
+                <a:latin typeface="나눔바른고딕OTF" panose="02020603020101020101" pitchFamily="18" charset="-127"/>
+                <a:ea typeface="나눔바른고딕OTF" panose="02020603020101020101" pitchFamily="18" charset="-127"/>
+              </a:rPr>
+              <a:t>소환사</a:t>
+            </a:r>
+            <a:r>
+              <a:rPr lang="ko-KR" altLang="en-US" dirty="0">
+                <a:latin typeface="나눔바른고딕OTF" panose="02020603020101020101" pitchFamily="18" charset="-127"/>
+                <a:ea typeface="나눔바른고딕OTF" panose="02020603020101020101" pitchFamily="18" charset="-127"/>
+              </a:rPr>
+              <a:t> 데이터 출력 정보 이미지 연동 및 보완</a:t>
+            </a:r>
+            <a:endParaRPr lang="en-US" altLang="ko-KR" dirty="0">
+              <a:latin typeface="나눔바른고딕OTF" panose="02020603020101020101" pitchFamily="18" charset="-127"/>
+              <a:ea typeface="나눔바른고딕OTF" panose="02020603020101020101" pitchFamily="18" charset="-127"/>
+            </a:endParaRPr>
+          </a:p>
+          <a:p>
+            <a:pPr marL="285750" indent="-285750">
+              <a:buFontTx/>
+              <a:buChar char="-"/>
+            </a:pPr>
+            <a:endParaRPr lang="en-US" altLang="ko-KR" dirty="0">
+              <a:latin typeface="나눔바른고딕OTF" panose="02020603020101020101" pitchFamily="18" charset="-127"/>
+              <a:ea typeface="나눔바른고딕OTF" panose="02020603020101020101" pitchFamily="18" charset="-127"/>
+            </a:endParaRPr>
+          </a:p>
+          <a:p>
+            <a:pPr marL="285750" indent="-285750">
+              <a:buFontTx/>
+              <a:buChar char="-"/>
+            </a:pPr>
+            <a:r>
+              <a:rPr lang="en-US" altLang="ko-KR" dirty="0">
+                <a:latin typeface="나눔바른고딕OTF" panose="02020603020101020101" pitchFamily="18" charset="-127"/>
+                <a:ea typeface="나눔바른고딕OTF" panose="02020603020101020101" pitchFamily="18" charset="-127"/>
+              </a:rPr>
+              <a:t>LOL </a:t>
+            </a:r>
+            <a:r>
+              <a:rPr lang="ko-KR" altLang="en-US" dirty="0" err="1">
+                <a:latin typeface="나눔바른고딕OTF" panose="02020603020101020101" pitchFamily="18" charset="-127"/>
+                <a:ea typeface="나눔바른고딕OTF" panose="02020603020101020101" pitchFamily="18" charset="-127"/>
+              </a:rPr>
+              <a:t>소환사</a:t>
+            </a:r>
+            <a:r>
+              <a:rPr lang="ko-KR" altLang="en-US" dirty="0">
+                <a:latin typeface="나눔바른고딕OTF" panose="02020603020101020101" pitchFamily="18" charset="-127"/>
+                <a:ea typeface="나눔바른고딕OTF" panose="02020603020101020101" pitchFamily="18" charset="-127"/>
+              </a:rPr>
+              <a:t> 승률 그래프 구현</a:t>
+            </a:r>
+            <a:endParaRPr lang="en-US" altLang="ko-KR" dirty="0">
+              <a:latin typeface="나눔바른고딕OTF" panose="02020603020101020101" pitchFamily="18" charset="-127"/>
+              <a:ea typeface="나눔바른고딕OTF" panose="02020603020101020101" pitchFamily="18" charset="-127"/>
+            </a:endParaRPr>
+          </a:p>
+          <a:p>
+            <a:pPr marL="285750" indent="-285750">
+              <a:buFontTx/>
+              <a:buChar char="-"/>
+            </a:pPr>
+            <a:endParaRPr lang="en-US" altLang="ko-KR" dirty="0">
+              <a:latin typeface="나눔바른고딕OTF" panose="02020603020101020101" pitchFamily="18" charset="-127"/>
+              <a:ea typeface="나눔바른고딕OTF" panose="02020603020101020101" pitchFamily="18" charset="-127"/>
+            </a:endParaRPr>
+          </a:p>
+          <a:p>
+            <a:pPr algn="r"/>
+            <a:r>
+              <a:rPr lang="en-US" altLang="ko-KR" sz="1400" i="1" dirty="0">
+                <a:latin typeface="나눔바른고딕OTF" panose="02020603020101020101" pitchFamily="18" charset="-127"/>
+                <a:ea typeface="나눔바른고딕OTF" panose="02020603020101020101" pitchFamily="18" charset="-127"/>
+              </a:rPr>
+              <a:t>(</a:t>
+            </a:r>
+            <a:r>
+              <a:rPr lang="ko-KR" altLang="en-US" sz="1400" i="1" dirty="0">
+                <a:latin typeface="나눔바른고딕OTF" panose="02020603020101020101" pitchFamily="18" charset="-127"/>
+                <a:ea typeface="나눔바른고딕OTF" panose="02020603020101020101" pitchFamily="18" charset="-127"/>
+              </a:rPr>
+              <a:t>강의 </a:t>
+            </a:r>
+            <a:r>
+              <a:rPr lang="en-US" altLang="ko-KR" sz="1400" i="1" dirty="0">
+                <a:latin typeface="나눔바른고딕OTF" panose="02020603020101020101" pitchFamily="18" charset="-127"/>
+                <a:ea typeface="나눔바른고딕OTF" panose="02020603020101020101" pitchFamily="18" charset="-127"/>
+              </a:rPr>
+              <a:t>12~13</a:t>
+            </a:r>
+            <a:r>
+              <a:rPr lang="ko-KR" altLang="en-US" sz="1400" i="1" dirty="0">
+                <a:latin typeface="나눔바른고딕OTF" panose="02020603020101020101" pitchFamily="18" charset="-127"/>
+                <a:ea typeface="나눔바른고딕OTF" panose="02020603020101020101" pitchFamily="18" charset="-127"/>
+              </a:rPr>
+              <a:t>주차</a:t>
+            </a:r>
+            <a:r>
+              <a:rPr lang="en-US" altLang="ko-KR" sz="1400" i="1" dirty="0">
+                <a:latin typeface="나눔바른고딕OTF" panose="02020603020101020101" pitchFamily="18" charset="-127"/>
+                <a:ea typeface="나눔바른고딕OTF" panose="02020603020101020101" pitchFamily="18" charset="-127"/>
+              </a:rPr>
+              <a:t>)</a:t>
+            </a:r>
+          </a:p>
+        </p:txBody>
+      </p:sp>
     </p:spTree>
     <p:extLst>
       <p:ext uri="{BB962C8B-B14F-4D97-AF65-F5344CB8AC3E}">
@@ -8244,6 +8778,222 @@
           <a:p>
             <a:pPr algn="ctr"/>
             <a:endParaRPr lang="ko-KR" altLang="en-US" dirty="0"/>
+          </a:p>
+        </p:txBody>
+      </p:sp>
+      <p:sp>
+        <p:nvSpPr>
+          <p:cNvPr id="10" name="TextBox 9">
+            <a:extLst>
+              <a:ext uri="{FF2B5EF4-FFF2-40B4-BE49-F238E27FC236}">
+                <a16:creationId xmlns:a16="http://schemas.microsoft.com/office/drawing/2014/main" id="{98C9C89C-F276-46CD-9CD0-0BE541ED8B82}"/>
+              </a:ext>
+            </a:extLst>
+          </p:cNvPr>
+          <p:cNvSpPr txBox="1"/>
+          <p:nvPr/>
+        </p:nvSpPr>
+        <p:spPr>
+          <a:xfrm>
+            <a:off x="519265" y="1417739"/>
+            <a:ext cx="5143304" cy="2800767"/>
+          </a:xfrm>
+          <a:prstGeom prst="rect">
+            <a:avLst/>
+          </a:prstGeom>
+          <a:noFill/>
+        </p:spPr>
+        <p:txBody>
+          <a:bodyPr wrap="square" rtlCol="0">
+            <a:spAutoFit/>
+          </a:bodyPr>
+          <a:lstStyle/>
+          <a:p>
+            <a:pPr marL="285750" indent="-285750">
+              <a:buFontTx/>
+              <a:buChar char="-"/>
+            </a:pPr>
+            <a:r>
+              <a:rPr lang="ko-KR" altLang="en-US" dirty="0">
+                <a:latin typeface="나눔바른고딕OTF" panose="02020603020101020101" pitchFamily="18" charset="-127"/>
+                <a:ea typeface="나눔바른고딕OTF" panose="02020603020101020101" pitchFamily="18" charset="-127"/>
+              </a:rPr>
+              <a:t>중간 발표 </a:t>
+            </a:r>
+            <a:r>
+              <a:rPr lang="en-US" altLang="ko-KR" dirty="0">
+                <a:latin typeface="나눔바른고딕OTF" panose="02020603020101020101" pitchFamily="18" charset="-127"/>
+                <a:ea typeface="나눔바른고딕OTF" panose="02020603020101020101" pitchFamily="18" charset="-127"/>
+              </a:rPr>
+              <a:t>PPT </a:t>
+            </a:r>
+            <a:r>
+              <a:rPr lang="ko-KR" altLang="en-US" dirty="0">
+                <a:latin typeface="나눔바른고딕OTF" panose="02020603020101020101" pitchFamily="18" charset="-127"/>
+                <a:ea typeface="나눔바른고딕OTF" panose="02020603020101020101" pitchFamily="18" charset="-127"/>
+              </a:rPr>
+              <a:t>작성 및 시연 동영상 촬영</a:t>
+            </a:r>
+            <a:endParaRPr lang="en-US" altLang="ko-KR" dirty="0">
+              <a:latin typeface="나눔바른고딕OTF" panose="02020603020101020101" pitchFamily="18" charset="-127"/>
+              <a:ea typeface="나눔바른고딕OTF" panose="02020603020101020101" pitchFamily="18" charset="-127"/>
+            </a:endParaRPr>
+          </a:p>
+          <a:p>
+            <a:pPr marL="285750" indent="-285750">
+              <a:buFontTx/>
+              <a:buChar char="-"/>
+            </a:pPr>
+            <a:endParaRPr lang="en-US" altLang="ko-KR" dirty="0">
+              <a:latin typeface="나눔바른고딕OTF" panose="02020603020101020101" pitchFamily="18" charset="-127"/>
+              <a:ea typeface="나눔바른고딕OTF" panose="02020603020101020101" pitchFamily="18" charset="-127"/>
+            </a:endParaRPr>
+          </a:p>
+          <a:p>
+            <a:pPr marL="285750" indent="-285750">
+              <a:buFontTx/>
+              <a:buChar char="-"/>
+            </a:pPr>
+            <a:r>
+              <a:rPr lang="ko-KR" altLang="en-US" dirty="0">
+                <a:latin typeface="나눔바른고딕OTF" panose="02020603020101020101" pitchFamily="18" charset="-127"/>
+                <a:ea typeface="나눔바른고딕OTF" panose="02020603020101020101" pitchFamily="18" charset="-127"/>
+              </a:rPr>
+              <a:t>중간 발표</a:t>
+            </a:r>
+            <a:endParaRPr lang="en-US" altLang="ko-KR" dirty="0">
+              <a:latin typeface="나눔바른고딕OTF" panose="02020603020101020101" pitchFamily="18" charset="-127"/>
+              <a:ea typeface="나눔바른고딕OTF" panose="02020603020101020101" pitchFamily="18" charset="-127"/>
+            </a:endParaRPr>
+          </a:p>
+          <a:p>
+            <a:pPr marL="285750" indent="-285750">
+              <a:buFontTx/>
+              <a:buChar char="-"/>
+            </a:pPr>
+            <a:endParaRPr lang="en-US" altLang="ko-KR" dirty="0">
+              <a:latin typeface="나눔바른고딕OTF" panose="02020603020101020101" pitchFamily="18" charset="-127"/>
+              <a:ea typeface="나눔바른고딕OTF" panose="02020603020101020101" pitchFamily="18" charset="-127"/>
+            </a:endParaRPr>
+          </a:p>
+          <a:p>
+            <a:pPr marL="285750" indent="-285750">
+              <a:buFontTx/>
+              <a:buChar char="-"/>
+            </a:pPr>
+            <a:r>
+              <a:rPr lang="ko-KR" altLang="en-US" dirty="0">
+                <a:latin typeface="나눔바른고딕OTF" panose="02020603020101020101" pitchFamily="18" charset="-127"/>
+                <a:ea typeface="나눔바른고딕OTF" panose="02020603020101020101" pitchFamily="18" charset="-127"/>
+              </a:rPr>
+              <a:t> </a:t>
+            </a:r>
+            <a:r>
+              <a:rPr lang="en-US" altLang="ko-KR" dirty="0">
+                <a:latin typeface="나눔바른고딕OTF" panose="02020603020101020101" pitchFamily="18" charset="-127"/>
+                <a:ea typeface="나눔바른고딕OTF" panose="02020603020101020101" pitchFamily="18" charset="-127"/>
+              </a:rPr>
+              <a:t>Plan B  </a:t>
+            </a:r>
+            <a:r>
+              <a:rPr lang="ko-KR" altLang="en-US" dirty="0">
+                <a:latin typeface="나눔바른고딕OTF" panose="02020603020101020101" pitchFamily="18" charset="-127"/>
+                <a:ea typeface="나눔바른고딕OTF" panose="02020603020101020101" pitchFamily="18" charset="-127"/>
+              </a:rPr>
+              <a:t>실행 유무 판단</a:t>
+            </a:r>
+            <a:endParaRPr lang="en-US" altLang="ko-KR" dirty="0">
+              <a:latin typeface="나눔바른고딕OTF" panose="02020603020101020101" pitchFamily="18" charset="-127"/>
+              <a:ea typeface="나눔바른고딕OTF" panose="02020603020101020101" pitchFamily="18" charset="-127"/>
+            </a:endParaRPr>
+          </a:p>
+          <a:p>
+            <a:pPr marL="742950" lvl="1" indent="-285750">
+              <a:buFont typeface="Arial" panose="020B0604020202020204" pitchFamily="34" charset="0"/>
+              <a:buChar char="•"/>
+            </a:pPr>
+            <a:r>
+              <a:rPr lang="en-US" altLang="ko-KR" sz="1400" dirty="0">
+                <a:latin typeface="나눔바른고딕OTF" panose="02020603020101020101" pitchFamily="18" charset="-127"/>
+                <a:ea typeface="나눔바른고딕OTF" panose="02020603020101020101" pitchFamily="18" charset="-127"/>
+              </a:rPr>
+              <a:t>LOL API KEY </a:t>
+            </a:r>
+            <a:r>
+              <a:rPr lang="ko-KR" altLang="en-US" sz="1400" dirty="0">
+                <a:latin typeface="나눔바른고딕OTF" panose="02020603020101020101" pitchFamily="18" charset="-127"/>
+                <a:ea typeface="나눔바른고딕OTF" panose="02020603020101020101" pitchFamily="18" charset="-127"/>
+              </a:rPr>
+              <a:t>발급 지연에 의한 네이버 도서 검색 기능 구현 </a:t>
+            </a:r>
+            <a:endParaRPr lang="en-US" altLang="ko-KR" sz="1400" dirty="0">
+              <a:latin typeface="나눔바른고딕OTF" panose="02020603020101020101" pitchFamily="18" charset="-127"/>
+              <a:ea typeface="나눔바른고딕OTF" panose="02020603020101020101" pitchFamily="18" charset="-127"/>
+            </a:endParaRPr>
+          </a:p>
+          <a:p>
+            <a:pPr marL="742950" lvl="1" indent="-285750">
+              <a:buFont typeface="Arial" panose="020B0604020202020204" pitchFamily="34" charset="0"/>
+              <a:buChar char="•"/>
+            </a:pPr>
+            <a:endParaRPr lang="en-US" altLang="ko-KR" dirty="0">
+              <a:latin typeface="나눔바른고딕OTF" panose="02020603020101020101" pitchFamily="18" charset="-127"/>
+              <a:ea typeface="나눔바른고딕OTF" panose="02020603020101020101" pitchFamily="18" charset="-127"/>
+            </a:endParaRPr>
+          </a:p>
+          <a:p>
+            <a:pPr algn="r"/>
+            <a:r>
+              <a:rPr lang="en-US" altLang="ko-KR" sz="1400" i="1" dirty="0">
+                <a:latin typeface="나눔바른고딕OTF" panose="02020603020101020101" pitchFamily="18" charset="-127"/>
+                <a:ea typeface="나눔바른고딕OTF" panose="02020603020101020101" pitchFamily="18" charset="-127"/>
+              </a:rPr>
+              <a:t>(</a:t>
+            </a:r>
+            <a:r>
+              <a:rPr lang="ko-KR" altLang="en-US" sz="1400" i="1" dirty="0">
+                <a:latin typeface="나눔바른고딕OTF" panose="02020603020101020101" pitchFamily="18" charset="-127"/>
+                <a:ea typeface="나눔바른고딕OTF" panose="02020603020101020101" pitchFamily="18" charset="-127"/>
+              </a:rPr>
+              <a:t>강의 </a:t>
+            </a:r>
+            <a:r>
+              <a:rPr lang="en-US" altLang="ko-KR" sz="1400" i="1" dirty="0">
+                <a:latin typeface="나눔바른고딕OTF" panose="02020603020101020101" pitchFamily="18" charset="-127"/>
+                <a:ea typeface="나눔바른고딕OTF" panose="02020603020101020101" pitchFamily="18" charset="-127"/>
+              </a:rPr>
+              <a:t>13~14</a:t>
+            </a:r>
+            <a:r>
+              <a:rPr lang="ko-KR" altLang="en-US" sz="1400" i="1" dirty="0">
+                <a:latin typeface="나눔바른고딕OTF" panose="02020603020101020101" pitchFamily="18" charset="-127"/>
+                <a:ea typeface="나눔바른고딕OTF" panose="02020603020101020101" pitchFamily="18" charset="-127"/>
+              </a:rPr>
+              <a:t>주차</a:t>
+            </a:r>
+            <a:r>
+              <a:rPr lang="en-US" altLang="ko-KR" sz="1400" i="1" dirty="0">
+                <a:latin typeface="나눔바른고딕OTF" panose="02020603020101020101" pitchFamily="18" charset="-127"/>
+                <a:ea typeface="나눔바른고딕OTF" panose="02020603020101020101" pitchFamily="18" charset="-127"/>
+              </a:rPr>
+              <a:t>)</a:t>
+            </a:r>
+          </a:p>
+          <a:p>
+            <a:endParaRPr lang="en-US" altLang="ko-KR" dirty="0">
+              <a:latin typeface="나눔바른고딕OTF" panose="02020603020101020101" pitchFamily="18" charset="-127"/>
+              <a:ea typeface="나눔바른고딕OTF" panose="02020603020101020101" pitchFamily="18" charset="-127"/>
+            </a:endParaRPr>
+          </a:p>
+          <a:p>
+            <a:pPr marL="285750" indent="-285750">
+              <a:buFontTx/>
+              <a:buChar char="-"/>
+            </a:pPr>
+            <a:endParaRPr lang="en-US" altLang="ko-KR" dirty="0">
+              <a:latin typeface="나눔바른고딕OTF" panose="02020603020101020101" pitchFamily="18" charset="-127"/>
+              <a:ea typeface="나눔바른고딕OTF" panose="02020603020101020101" pitchFamily="18" charset="-127"/>
+            </a:endParaRPr>
           </a:p>
         </p:txBody>
       </p:sp>
@@ -9767,6 +10517,219 @@
           </a:p>
         </p:txBody>
       </p:sp>
+      <p:sp>
+        <p:nvSpPr>
+          <p:cNvPr id="10" name="TextBox 9">
+            <a:extLst>
+              <a:ext uri="{FF2B5EF4-FFF2-40B4-BE49-F238E27FC236}">
+                <a16:creationId xmlns:a16="http://schemas.microsoft.com/office/drawing/2014/main" id="{C12C0C5E-D78F-4C02-9AA7-389B070CFB90}"/>
+              </a:ext>
+            </a:extLst>
+          </p:cNvPr>
+          <p:cNvSpPr txBox="1"/>
+          <p:nvPr/>
+        </p:nvSpPr>
+        <p:spPr>
+          <a:xfrm>
+            <a:off x="4067813" y="1417739"/>
+            <a:ext cx="3582947" cy="2523768"/>
+          </a:xfrm>
+          <a:prstGeom prst="rect">
+            <a:avLst/>
+          </a:prstGeom>
+          <a:noFill/>
+        </p:spPr>
+        <p:txBody>
+          <a:bodyPr wrap="square" rtlCol="0">
+            <a:spAutoFit/>
+          </a:bodyPr>
+          <a:lstStyle/>
+          <a:p>
+            <a:pPr marL="285750" indent="-285750">
+              <a:buFontTx/>
+              <a:buChar char="-"/>
+            </a:pPr>
+            <a:r>
+              <a:rPr lang="en-US" altLang="ko-KR" dirty="0">
+                <a:latin typeface="나눔바른고딕OTF" panose="02020603020101020101" pitchFamily="18" charset="-127"/>
+                <a:ea typeface="나눔바른고딕OTF" panose="02020603020101020101" pitchFamily="18" charset="-127"/>
+              </a:rPr>
+              <a:t>DNF </a:t>
+            </a:r>
+            <a:r>
+              <a:rPr lang="ko-KR" altLang="en-US" dirty="0">
+                <a:latin typeface="나눔바른고딕OTF" panose="02020603020101020101" pitchFamily="18" charset="-127"/>
+                <a:ea typeface="나눔바른고딕OTF" panose="02020603020101020101" pitchFamily="18" charset="-127"/>
+              </a:rPr>
+              <a:t>경매장 검색정보 </a:t>
+            </a:r>
+            <a:r>
+              <a:rPr lang="en-US" altLang="ko-KR" dirty="0">
+                <a:latin typeface="나눔바른고딕OTF" panose="02020603020101020101" pitchFamily="18" charset="-127"/>
+                <a:ea typeface="나눔바른고딕OTF" panose="02020603020101020101" pitchFamily="18" charset="-127"/>
+              </a:rPr>
+              <a:t>Gmail </a:t>
+            </a:r>
+            <a:r>
+              <a:rPr lang="ko-KR" altLang="en-US" dirty="0">
+                <a:latin typeface="나눔바른고딕OTF" panose="02020603020101020101" pitchFamily="18" charset="-127"/>
+                <a:ea typeface="나눔바른고딕OTF" panose="02020603020101020101" pitchFamily="18" charset="-127"/>
+              </a:rPr>
+              <a:t>전송</a:t>
+            </a:r>
+            <a:endParaRPr lang="en-US" altLang="ko-KR" dirty="0">
+              <a:latin typeface="나눔바른고딕OTF" panose="02020603020101020101" pitchFamily="18" charset="-127"/>
+              <a:ea typeface="나눔바른고딕OTF" panose="02020603020101020101" pitchFamily="18" charset="-127"/>
+            </a:endParaRPr>
+          </a:p>
+          <a:p>
+            <a:pPr marL="285750" indent="-285750">
+              <a:buFontTx/>
+              <a:buChar char="-"/>
+            </a:pPr>
+            <a:endParaRPr lang="en-US" altLang="ko-KR" dirty="0">
+              <a:latin typeface="나눔바른고딕OTF" panose="02020603020101020101" pitchFamily="18" charset="-127"/>
+              <a:ea typeface="나눔바른고딕OTF" panose="02020603020101020101" pitchFamily="18" charset="-127"/>
+            </a:endParaRPr>
+          </a:p>
+          <a:p>
+            <a:pPr marL="285750" indent="-285750">
+              <a:buFontTx/>
+              <a:buChar char="-"/>
+            </a:pPr>
+            <a:r>
+              <a:rPr lang="en-US" altLang="ko-KR" dirty="0">
+                <a:latin typeface="나눔바른고딕OTF" panose="02020603020101020101" pitchFamily="18" charset="-127"/>
+                <a:ea typeface="나눔바른고딕OTF" panose="02020603020101020101" pitchFamily="18" charset="-127"/>
+              </a:rPr>
+              <a:t>LOL </a:t>
+            </a:r>
+            <a:r>
+              <a:rPr lang="ko-KR" altLang="en-US" dirty="0" err="1">
+                <a:latin typeface="나눔바른고딕OTF" panose="02020603020101020101" pitchFamily="18" charset="-127"/>
+                <a:ea typeface="나눔바른고딕OTF" panose="02020603020101020101" pitchFamily="18" charset="-127"/>
+              </a:rPr>
+              <a:t>소환사</a:t>
+            </a:r>
+            <a:r>
+              <a:rPr lang="ko-KR" altLang="en-US" dirty="0">
+                <a:latin typeface="나눔바른고딕OTF" panose="02020603020101020101" pitchFamily="18" charset="-127"/>
+                <a:ea typeface="나눔바른고딕OTF" panose="02020603020101020101" pitchFamily="18" charset="-127"/>
+              </a:rPr>
+              <a:t> 검색정보 </a:t>
+            </a:r>
+            <a:r>
+              <a:rPr lang="en-US" altLang="ko-KR" dirty="0">
+                <a:latin typeface="나눔바른고딕OTF" panose="02020603020101020101" pitchFamily="18" charset="-127"/>
+                <a:ea typeface="나눔바른고딕OTF" panose="02020603020101020101" pitchFamily="18" charset="-127"/>
+              </a:rPr>
+              <a:t>Gmail </a:t>
+            </a:r>
+            <a:r>
+              <a:rPr lang="ko-KR" altLang="en-US" dirty="0">
+                <a:latin typeface="나눔바른고딕OTF" panose="02020603020101020101" pitchFamily="18" charset="-127"/>
+                <a:ea typeface="나눔바른고딕OTF" panose="02020603020101020101" pitchFamily="18" charset="-127"/>
+              </a:rPr>
+              <a:t>전송</a:t>
+            </a:r>
+            <a:endParaRPr lang="en-US" altLang="ko-KR" dirty="0">
+              <a:latin typeface="나눔바른고딕OTF" panose="02020603020101020101" pitchFamily="18" charset="-127"/>
+              <a:ea typeface="나눔바른고딕OTF" panose="02020603020101020101" pitchFamily="18" charset="-127"/>
+            </a:endParaRPr>
+          </a:p>
+          <a:p>
+            <a:pPr marL="285750" indent="-285750">
+              <a:buFontTx/>
+              <a:buChar char="-"/>
+            </a:pPr>
+            <a:endParaRPr lang="en-US" altLang="ko-KR" dirty="0">
+              <a:latin typeface="나눔바른고딕OTF" panose="02020603020101020101" pitchFamily="18" charset="-127"/>
+              <a:ea typeface="나눔바른고딕OTF" panose="02020603020101020101" pitchFamily="18" charset="-127"/>
+            </a:endParaRPr>
+          </a:p>
+          <a:p>
+            <a:pPr marL="285750" indent="-285750">
+              <a:buFontTx/>
+              <a:buChar char="-"/>
+            </a:pPr>
+            <a:r>
+              <a:rPr lang="ko-KR" altLang="en-US" dirty="0">
+                <a:latin typeface="나눔바른고딕OTF" panose="02020603020101020101" pitchFamily="18" charset="-127"/>
+                <a:ea typeface="나눔바른고딕OTF" panose="02020603020101020101" pitchFamily="18" charset="-127"/>
+              </a:rPr>
+              <a:t>소프트웨어 미비점 보완</a:t>
+            </a:r>
+            <a:endParaRPr lang="en-US" altLang="ko-KR" dirty="0">
+              <a:latin typeface="나눔바른고딕OTF" panose="02020603020101020101" pitchFamily="18" charset="-127"/>
+              <a:ea typeface="나눔바른고딕OTF" panose="02020603020101020101" pitchFamily="18" charset="-127"/>
+            </a:endParaRPr>
+          </a:p>
+          <a:p>
+            <a:pPr marL="285750" indent="-285750">
+              <a:buFontTx/>
+              <a:buChar char="-"/>
+            </a:pPr>
+            <a:endParaRPr lang="en-US" altLang="ko-KR" dirty="0">
+              <a:latin typeface="나눔바른고딕OTF" panose="02020603020101020101" pitchFamily="18" charset="-127"/>
+              <a:ea typeface="나눔바른고딕OTF" panose="02020603020101020101" pitchFamily="18" charset="-127"/>
+            </a:endParaRPr>
+          </a:p>
+          <a:p>
+            <a:pPr marL="285750" indent="-285750">
+              <a:buFontTx/>
+              <a:buChar char="-"/>
+            </a:pPr>
+            <a:endParaRPr lang="en-US" altLang="ko-KR" dirty="0">
+              <a:latin typeface="나눔바른고딕OTF" panose="02020603020101020101" pitchFamily="18" charset="-127"/>
+              <a:ea typeface="나눔바른고딕OTF" panose="02020603020101020101" pitchFamily="18" charset="-127"/>
+            </a:endParaRPr>
+          </a:p>
+          <a:p>
+            <a:pPr algn="r"/>
+            <a:r>
+              <a:rPr lang="en-US" altLang="ko-KR" sz="1400" i="1" dirty="0">
+                <a:latin typeface="나눔바른고딕OTF" panose="02020603020101020101" pitchFamily="18" charset="-127"/>
+                <a:ea typeface="나눔바른고딕OTF" panose="02020603020101020101" pitchFamily="18" charset="-127"/>
+              </a:rPr>
+              <a:t>(</a:t>
+            </a:r>
+            <a:r>
+              <a:rPr lang="ko-KR" altLang="en-US" sz="1400" i="1" dirty="0">
+                <a:latin typeface="나눔바른고딕OTF" panose="02020603020101020101" pitchFamily="18" charset="-127"/>
+                <a:ea typeface="나눔바른고딕OTF" panose="02020603020101020101" pitchFamily="18" charset="-127"/>
+              </a:rPr>
+              <a:t>강의 </a:t>
+            </a:r>
+            <a:r>
+              <a:rPr lang="en-US" altLang="ko-KR" sz="1400" i="1" dirty="0">
+                <a:latin typeface="나눔바른고딕OTF" panose="02020603020101020101" pitchFamily="18" charset="-127"/>
+                <a:ea typeface="나눔바른고딕OTF" panose="02020603020101020101" pitchFamily="18" charset="-127"/>
+              </a:rPr>
+              <a:t>14~15</a:t>
+            </a:r>
+            <a:r>
+              <a:rPr lang="ko-KR" altLang="en-US" sz="1400" i="1" dirty="0">
+                <a:latin typeface="나눔바른고딕OTF" panose="02020603020101020101" pitchFamily="18" charset="-127"/>
+                <a:ea typeface="나눔바른고딕OTF" panose="02020603020101020101" pitchFamily="18" charset="-127"/>
+              </a:rPr>
+              <a:t>주차</a:t>
+            </a:r>
+            <a:r>
+              <a:rPr lang="en-US" altLang="ko-KR" sz="1400" i="1" dirty="0">
+                <a:latin typeface="나눔바른고딕OTF" panose="02020603020101020101" pitchFamily="18" charset="-127"/>
+                <a:ea typeface="나눔바른고딕OTF" panose="02020603020101020101" pitchFamily="18" charset="-127"/>
+              </a:rPr>
+              <a:t>)</a:t>
+            </a:r>
+          </a:p>
+          <a:p>
+            <a:endParaRPr lang="en-US" altLang="ko-KR" dirty="0">
+              <a:latin typeface="나눔바른고딕OTF" panose="02020603020101020101" pitchFamily="18" charset="-127"/>
+              <a:ea typeface="나눔바른고딕OTF" panose="02020603020101020101" pitchFamily="18" charset="-127"/>
+            </a:endParaRPr>
+          </a:p>
+        </p:txBody>
+      </p:sp>
     </p:spTree>
     <p:extLst>
       <p:ext uri="{BB962C8B-B14F-4D97-AF65-F5344CB8AC3E}">
@@ -11284,6 +12247,180 @@
           <a:p>
             <a:pPr algn="ctr"/>
             <a:endParaRPr lang="ko-KR" altLang="en-US" dirty="0"/>
+          </a:p>
+        </p:txBody>
+      </p:sp>
+      <p:sp>
+        <p:nvSpPr>
+          <p:cNvPr id="11" name="TextBox 10">
+            <a:extLst>
+              <a:ext uri="{FF2B5EF4-FFF2-40B4-BE49-F238E27FC236}">
+                <a16:creationId xmlns:a16="http://schemas.microsoft.com/office/drawing/2014/main" id="{CAD773F6-367A-450E-9C6A-1C9206AED426}"/>
+              </a:ext>
+            </a:extLst>
+          </p:cNvPr>
+          <p:cNvSpPr txBox="1"/>
+          <p:nvPr/>
+        </p:nvSpPr>
+        <p:spPr>
+          <a:xfrm>
+            <a:off x="5426830" y="1417739"/>
+            <a:ext cx="4094675" cy="2585323"/>
+          </a:xfrm>
+          <a:prstGeom prst="rect">
+            <a:avLst/>
+          </a:prstGeom>
+          <a:noFill/>
+        </p:spPr>
+        <p:txBody>
+          <a:bodyPr wrap="square" rtlCol="0">
+            <a:spAutoFit/>
+          </a:bodyPr>
+          <a:lstStyle/>
+          <a:p>
+            <a:pPr marL="285750" indent="-285750">
+              <a:buFontTx/>
+              <a:buChar char="-"/>
+            </a:pPr>
+            <a:r>
+              <a:rPr lang="ko-KR" altLang="en-US" dirty="0">
+                <a:latin typeface="나눔바른고딕OTF" panose="02020603020101020101" pitchFamily="18" charset="-127"/>
+                <a:ea typeface="나눔바른고딕OTF" panose="02020603020101020101" pitchFamily="18" charset="-127"/>
+              </a:rPr>
+              <a:t>배포 파일 준비</a:t>
+            </a:r>
+            <a:endParaRPr lang="en-US" altLang="ko-KR" dirty="0">
+              <a:latin typeface="나눔바른고딕OTF" panose="02020603020101020101" pitchFamily="18" charset="-127"/>
+              <a:ea typeface="나눔바른고딕OTF" panose="02020603020101020101" pitchFamily="18" charset="-127"/>
+            </a:endParaRPr>
+          </a:p>
+          <a:p>
+            <a:pPr marL="285750" indent="-285750">
+              <a:buFontTx/>
+              <a:buChar char="-"/>
+            </a:pPr>
+            <a:endParaRPr lang="en-US" altLang="ko-KR" dirty="0">
+              <a:latin typeface="나눔바른고딕OTF" panose="02020603020101020101" pitchFamily="18" charset="-127"/>
+              <a:ea typeface="나눔바른고딕OTF" panose="02020603020101020101" pitchFamily="18" charset="-127"/>
+            </a:endParaRPr>
+          </a:p>
+          <a:p>
+            <a:pPr marL="285750" indent="-285750">
+              <a:buFontTx/>
+              <a:buChar char="-"/>
+            </a:pPr>
+            <a:r>
+              <a:rPr lang="ko-KR" altLang="en-US" dirty="0">
+                <a:latin typeface="나눔바른고딕OTF" panose="02020603020101020101" pitchFamily="18" charset="-127"/>
+                <a:ea typeface="나눔바른고딕OTF" panose="02020603020101020101" pitchFamily="18" charset="-127"/>
+              </a:rPr>
+              <a:t>최종 발표 </a:t>
+            </a:r>
+            <a:r>
+              <a:rPr lang="en-US" altLang="ko-KR" dirty="0">
+                <a:latin typeface="나눔바른고딕OTF" panose="02020603020101020101" pitchFamily="18" charset="-127"/>
+                <a:ea typeface="나눔바른고딕OTF" panose="02020603020101020101" pitchFamily="18" charset="-127"/>
+              </a:rPr>
+              <a:t>PPT </a:t>
+            </a:r>
+            <a:r>
+              <a:rPr lang="ko-KR" altLang="en-US" dirty="0">
+                <a:latin typeface="나눔바른고딕OTF" panose="02020603020101020101" pitchFamily="18" charset="-127"/>
+                <a:ea typeface="나눔바른고딕OTF" panose="02020603020101020101" pitchFamily="18" charset="-127"/>
+              </a:rPr>
+              <a:t>작성 및 시연 동영상 촬영</a:t>
+            </a:r>
+            <a:endParaRPr lang="en-US" altLang="ko-KR" dirty="0">
+              <a:latin typeface="나눔바른고딕OTF" panose="02020603020101020101" pitchFamily="18" charset="-127"/>
+              <a:ea typeface="나눔바른고딕OTF" panose="02020603020101020101" pitchFamily="18" charset="-127"/>
+            </a:endParaRPr>
+          </a:p>
+          <a:p>
+            <a:pPr marL="285750" indent="-285750">
+              <a:buFontTx/>
+              <a:buChar char="-"/>
+            </a:pPr>
+            <a:endParaRPr lang="en-US" altLang="ko-KR" dirty="0">
+              <a:latin typeface="나눔바른고딕OTF" panose="02020603020101020101" pitchFamily="18" charset="-127"/>
+              <a:ea typeface="나눔바른고딕OTF" panose="02020603020101020101" pitchFamily="18" charset="-127"/>
+            </a:endParaRPr>
+          </a:p>
+          <a:p>
+            <a:pPr marL="285750" indent="-285750">
+              <a:buFontTx/>
+              <a:buChar char="-"/>
+            </a:pPr>
+            <a:r>
+              <a:rPr lang="ko-KR" altLang="en-US" dirty="0">
+                <a:latin typeface="나눔바른고딕OTF" panose="02020603020101020101" pitchFamily="18" charset="-127"/>
+                <a:ea typeface="나눔바른고딕OTF" panose="02020603020101020101" pitchFamily="18" charset="-127"/>
+              </a:rPr>
+              <a:t>최종 발표</a:t>
+            </a:r>
+            <a:endParaRPr lang="en-US" altLang="ko-KR" dirty="0">
+              <a:latin typeface="나눔바른고딕OTF" panose="02020603020101020101" pitchFamily="18" charset="-127"/>
+              <a:ea typeface="나눔바른고딕OTF" panose="02020603020101020101" pitchFamily="18" charset="-127"/>
+            </a:endParaRPr>
+          </a:p>
+          <a:p>
+            <a:endParaRPr lang="en-US" altLang="ko-KR" dirty="0">
+              <a:latin typeface="나눔바른고딕OTF" panose="02020603020101020101" pitchFamily="18" charset="-127"/>
+              <a:ea typeface="나눔바른고딕OTF" panose="02020603020101020101" pitchFamily="18" charset="-127"/>
+            </a:endParaRPr>
+          </a:p>
+          <a:p>
+            <a:pPr algn="r"/>
+            <a:r>
+              <a:rPr lang="en-US" altLang="ko-KR" sz="1400" i="1" dirty="0">
+                <a:latin typeface="나눔바른고딕OTF" panose="02020603020101020101" pitchFamily="18" charset="-127"/>
+                <a:ea typeface="나눔바른고딕OTF" panose="02020603020101020101" pitchFamily="18" charset="-127"/>
+              </a:rPr>
+              <a:t>(</a:t>
+            </a:r>
+            <a:r>
+              <a:rPr lang="ko-KR" altLang="en-US" sz="1400" i="1" dirty="0">
+                <a:latin typeface="나눔바른고딕OTF" panose="02020603020101020101" pitchFamily="18" charset="-127"/>
+                <a:ea typeface="나눔바른고딕OTF" panose="02020603020101020101" pitchFamily="18" charset="-127"/>
+              </a:rPr>
+              <a:t>강의 </a:t>
+            </a:r>
+            <a:r>
+              <a:rPr lang="en-US" altLang="ko-KR" sz="1400" i="1" dirty="0">
+                <a:latin typeface="나눔바른고딕OTF" panose="02020603020101020101" pitchFamily="18" charset="-127"/>
+                <a:ea typeface="나눔바른고딕OTF" panose="02020603020101020101" pitchFamily="18" charset="-127"/>
+              </a:rPr>
+              <a:t>15~16</a:t>
+            </a:r>
+            <a:r>
+              <a:rPr lang="ko-KR" altLang="en-US" sz="1400" i="1" dirty="0">
+                <a:latin typeface="나눔바른고딕OTF" panose="02020603020101020101" pitchFamily="18" charset="-127"/>
+                <a:ea typeface="나눔바른고딕OTF" panose="02020603020101020101" pitchFamily="18" charset="-127"/>
+              </a:rPr>
+              <a:t>주차</a:t>
+            </a:r>
+            <a:r>
+              <a:rPr lang="en-US" altLang="ko-KR" sz="1400" i="1" dirty="0">
+                <a:latin typeface="나눔바른고딕OTF" panose="02020603020101020101" pitchFamily="18" charset="-127"/>
+                <a:ea typeface="나눔바른고딕OTF" panose="02020603020101020101" pitchFamily="18" charset="-127"/>
+              </a:rPr>
+              <a:t>)</a:t>
+            </a:r>
+          </a:p>
+          <a:p>
+            <a:endParaRPr lang="en-US" altLang="ko-KR" dirty="0">
+              <a:latin typeface="나눔바른고딕OTF" panose="02020603020101020101" pitchFamily="18" charset="-127"/>
+              <a:ea typeface="나눔바른고딕OTF" panose="02020603020101020101" pitchFamily="18" charset="-127"/>
+            </a:endParaRPr>
+          </a:p>
+          <a:p>
+            <a:pPr marL="285750" indent="-285750">
+              <a:buFontTx/>
+              <a:buChar char="-"/>
+            </a:pPr>
+            <a:endParaRPr lang="en-US" altLang="ko-KR" dirty="0">
+              <a:latin typeface="나눔바른고딕OTF" panose="02020603020101020101" pitchFamily="18" charset="-127"/>
+              <a:ea typeface="나눔바른고딕OTF" panose="02020603020101020101" pitchFamily="18" charset="-127"/>
+            </a:endParaRPr>
           </a:p>
         </p:txBody>
       </p:sp>
@@ -12299,8 +13436,8 @@
         </p:nvSpPr>
         <p:spPr>
           <a:xfrm>
-            <a:off x="1910165" y="4978441"/>
-            <a:ext cx="2766610" cy="584775"/>
+            <a:off x="1910164" y="4978441"/>
+            <a:ext cx="2913505" cy="830997"/>
           </a:xfrm>
           <a:prstGeom prst="rect">
             <a:avLst/>
@@ -12320,6 +13457,21 @@
                 <a:sym typeface="Wingdings" panose="05000000000000000000" pitchFamily="2" charset="2"/>
               </a:rPr>
               <a:t> 아이템 데이터베이스 검색</a:t>
+            </a:r>
+            <a:endParaRPr lang="en-US" altLang="ko-KR" sz="1600" dirty="0">
+              <a:latin typeface="HY헤드라인M" panose="02030600000101010101" pitchFamily="18" charset="-127"/>
+              <a:ea typeface="HY헤드라인M" panose="02030600000101010101" pitchFamily="18" charset="-127"/>
+              <a:sym typeface="Wingdings" panose="05000000000000000000" pitchFamily="2" charset="2"/>
+            </a:endParaRPr>
+          </a:p>
+          <a:p>
+            <a:r>
+              <a:rPr lang="ko-KR" altLang="en-US" sz="1600" dirty="0">
+                <a:latin typeface="HY헤드라인M" panose="02030600000101010101" pitchFamily="18" charset="-127"/>
+                <a:ea typeface="HY헤드라인M" panose="02030600000101010101" pitchFamily="18" charset="-127"/>
+                <a:sym typeface="Wingdings" panose="05000000000000000000" pitchFamily="2" charset="2"/>
+              </a:rPr>
+              <a:t> 아이템 정보 출력</a:t>
             </a:r>
             <a:endParaRPr lang="en-US" altLang="ko-KR" sz="1600" dirty="0">
               <a:latin typeface="HY헤드라인M" panose="02030600000101010101" pitchFamily="18" charset="-127"/>
@@ -12360,8 +13512,8 @@
         </p:nvSpPr>
         <p:spPr>
           <a:xfrm>
-            <a:off x="5353282" y="4978441"/>
-            <a:ext cx="2349924" cy="584775"/>
+            <a:off x="5353281" y="4978441"/>
+            <a:ext cx="2851152" cy="584775"/>
           </a:xfrm>
           <a:prstGeom prst="rect">
             <a:avLst/>
@@ -12394,7 +13546,21 @@
                 <a:latin typeface="HY헤드라인M" panose="02030600000101010101" pitchFamily="18" charset="-127"/>
                 <a:ea typeface="HY헤드라인M" panose="02030600000101010101" pitchFamily="18" charset="-127"/>
               </a:rPr>
-              <a:t> 전적정보 검색</a:t>
+              <a:t> 관련정보 검색</a:t>
+            </a:r>
+            <a:r>
+              <a:rPr lang="en-US" altLang="ko-KR" sz="1600" dirty="0">
+                <a:latin typeface="HY헤드라인M" panose="02030600000101010101" pitchFamily="18" charset="-127"/>
+                <a:ea typeface="HY헤드라인M" panose="02030600000101010101" pitchFamily="18" charset="-127"/>
+              </a:rPr>
+              <a:t>, </a:t>
+            </a:r>
+            <a:r>
+              <a:rPr lang="ko-KR" altLang="en-US" sz="1600" dirty="0">
+                <a:latin typeface="HY헤드라인M" panose="02030600000101010101" pitchFamily="18" charset="-127"/>
+                <a:ea typeface="HY헤드라인M" panose="02030600000101010101" pitchFamily="18" charset="-127"/>
+              </a:rPr>
+              <a:t>출력</a:t>
             </a:r>
             <a:endParaRPr lang="en-US" altLang="ko-KR" sz="1600" dirty="0">
               <a:latin typeface="HY헤드라인M" panose="02030600000101010101" pitchFamily="18" charset="-127"/>
@@ -12408,7 +13574,7 @@
                 <a:ea typeface="HY헤드라인M" panose="02030600000101010101" pitchFamily="18" charset="-127"/>
                 <a:sym typeface="Wingdings" panose="05000000000000000000" pitchFamily="2" charset="2"/>
               </a:rPr>
-              <a:t> 승률 막대 그래프</a:t>
+              <a:t> 승률 그래프</a:t>
             </a:r>
             <a:endParaRPr lang="ko-KR" altLang="en-US" sz="1600" dirty="0">
               <a:latin typeface="HY헤드라인M" panose="02030600000101010101" pitchFamily="18" charset="-127"/>
@@ -14189,9 +15355,9 @@
         <p:grpSpPr>
           <a:xfrm>
             <a:off x="7701413" y="161925"/>
-            <a:ext cx="4427328" cy="2470250"/>
+            <a:ext cx="4427328" cy="4132243"/>
             <a:chOff x="7701413" y="161925"/>
-            <a:chExt cx="4427328" cy="2470250"/>
+            <a:chExt cx="4427328" cy="4132243"/>
           </a:xfrm>
         </p:grpSpPr>
         <p:sp>
@@ -14247,8 +15413,8 @@
           </p:nvSpPr>
           <p:spPr>
             <a:xfrm>
-              <a:off x="8583283" y="1154847"/>
-              <a:ext cx="3119349" cy="1477328"/>
+              <a:off x="8384875" y="1154847"/>
+              <a:ext cx="3743866" cy="3139321"/>
             </a:xfrm>
             <a:prstGeom prst="rect">
               <a:avLst/>
@@ -14271,7 +15437,7 @@
                   <a:ea typeface="나눔바른고딕OTF" panose="02020603020101020101" pitchFamily="18" charset="-127"/>
                   <a:sym typeface="Wingdings" panose="05000000000000000000" pitchFamily="2" charset="2"/>
                 </a:rPr>
-                <a:t>데이터베이스 내 아이템 검색</a:t>
+                <a:t>데이터베이스 內 아이템 검색</a:t>
               </a:r>
               <a:endParaRPr lang="en-US" altLang="ko-KR" b="1" dirty="0">
                 <a:latin typeface="나눔바른고딕OTF" panose="02020603020101020101" pitchFamily="18" charset="-127"/>
@@ -14301,7 +15467,93 @@
                   <a:ea typeface="나눔바른고딕OTF" panose="02020603020101020101" pitchFamily="18" charset="-127"/>
                   <a:sym typeface="Wingdings" panose="05000000000000000000" pitchFamily="2" charset="2"/>
                 </a:rPr>
-                <a:t>아이템 정보 출력</a:t>
+                <a:t>카테고리별 아이템 정보 출력</a:t>
+              </a:r>
+              <a:endParaRPr lang="en-US" altLang="ko-KR" b="1" dirty="0">
+                <a:latin typeface="나눔바른고딕OTF" panose="02020603020101020101" pitchFamily="18" charset="-127"/>
+                <a:ea typeface="나눔바른고딕OTF" panose="02020603020101020101" pitchFamily="18" charset="-127"/>
+                <a:sym typeface="Wingdings" panose="05000000000000000000" pitchFamily="2" charset="2"/>
+              </a:endParaRPr>
+            </a:p>
+            <a:p>
+              <a:pPr lvl="1"/>
+              <a:r>
+                <a:rPr lang="en-US" altLang="ko-KR" b="1" dirty="0">
+                  <a:latin typeface="나눔바른고딕OTF" panose="02020603020101020101" pitchFamily="18" charset="-127"/>
+                  <a:ea typeface="나눔바른고딕OTF" panose="02020603020101020101" pitchFamily="18" charset="-127"/>
+                  <a:sym typeface="Wingdings" panose="05000000000000000000" pitchFamily="2" charset="2"/>
+                </a:rPr>
+                <a:t>ex) </a:t>
+              </a:r>
+              <a:r>
+                <a:rPr lang="ko-KR" altLang="en-US" b="1" dirty="0">
+                  <a:latin typeface="나눔바른고딕OTF" panose="02020603020101020101" pitchFamily="18" charset="-127"/>
+                  <a:ea typeface="나눔바른고딕OTF" panose="02020603020101020101" pitchFamily="18" charset="-127"/>
+                  <a:sym typeface="Wingdings" panose="05000000000000000000" pitchFamily="2" charset="2"/>
+                </a:rPr>
+                <a:t>무기 → 대검</a:t>
+              </a:r>
+              <a:r>
+                <a:rPr lang="en-US" altLang="ko-KR" b="1" dirty="0">
+                  <a:latin typeface="나눔바른고딕OTF" panose="02020603020101020101" pitchFamily="18" charset="-127"/>
+                  <a:ea typeface="나눔바른고딕OTF" panose="02020603020101020101" pitchFamily="18" charset="-127"/>
+                  <a:sym typeface="Wingdings" panose="05000000000000000000" pitchFamily="2" charset="2"/>
+                </a:rPr>
+                <a:t>/</a:t>
+              </a:r>
+              <a:r>
+                <a:rPr lang="ko-KR" altLang="en-US" b="1" dirty="0" err="1">
+                  <a:latin typeface="나눔바른고딕OTF" panose="02020603020101020101" pitchFamily="18" charset="-127"/>
+                  <a:ea typeface="나눔바른고딕OTF" panose="02020603020101020101" pitchFamily="18" charset="-127"/>
+                  <a:sym typeface="Wingdings" panose="05000000000000000000" pitchFamily="2" charset="2"/>
+                </a:rPr>
+                <a:t>소검</a:t>
+              </a:r>
+              <a:r>
+                <a:rPr lang="en-US" altLang="ko-KR" b="1" dirty="0">
+                  <a:latin typeface="나눔바른고딕OTF" panose="02020603020101020101" pitchFamily="18" charset="-127"/>
+                  <a:ea typeface="나눔바른고딕OTF" panose="02020603020101020101" pitchFamily="18" charset="-127"/>
+                  <a:sym typeface="Wingdings" panose="05000000000000000000" pitchFamily="2" charset="2"/>
+                </a:rPr>
+                <a:t>/</a:t>
+              </a:r>
+              <a:r>
+                <a:rPr lang="ko-KR" altLang="en-US" b="1" dirty="0" err="1">
+                  <a:latin typeface="나눔바른고딕OTF" panose="02020603020101020101" pitchFamily="18" charset="-127"/>
+                  <a:ea typeface="나눔바른고딕OTF" panose="02020603020101020101" pitchFamily="18" charset="-127"/>
+                  <a:sym typeface="Wingdings" panose="05000000000000000000" pitchFamily="2" charset="2"/>
+                </a:rPr>
+                <a:t>광검</a:t>
+              </a:r>
+              <a:r>
+                <a:rPr lang="en-US" altLang="ko-KR" b="1" dirty="0">
+                  <a:latin typeface="맑은 고딕" panose="020B0503020000020004" pitchFamily="50" charset="-127"/>
+                  <a:ea typeface="맑은 고딕" panose="020B0503020000020004" pitchFamily="50" charset="-127"/>
+                  <a:sym typeface="Wingdings" panose="05000000000000000000" pitchFamily="2" charset="2"/>
+                </a:rPr>
+                <a:t>…etc.</a:t>
+              </a:r>
+            </a:p>
+            <a:p>
+              <a:pPr lvl="1"/>
+              <a:endParaRPr lang="en-US" altLang="ko-KR" b="1" dirty="0">
+                <a:latin typeface="나눔바른고딕OTF" panose="02020603020101020101" pitchFamily="18" charset="-127"/>
+                <a:ea typeface="나눔바른고딕OTF" panose="02020603020101020101" pitchFamily="18" charset="-127"/>
+                <a:sym typeface="Wingdings" panose="05000000000000000000" pitchFamily="2" charset="2"/>
+              </a:endParaRPr>
+            </a:p>
+            <a:p>
+              <a:pPr marL="285750" indent="-285750">
+                <a:buFont typeface="Wingdings" panose="05000000000000000000" pitchFamily="2" charset="2"/>
+                <a:buChar char=""/>
+              </a:pPr>
+              <a:r>
+                <a:rPr lang="ko-KR" altLang="en-US" b="1" dirty="0">
+                  <a:latin typeface="나눔바른고딕OTF" panose="02020603020101020101" pitchFamily="18" charset="-127"/>
+                  <a:ea typeface="나눔바른고딕OTF" panose="02020603020101020101" pitchFamily="18" charset="-127"/>
+                  <a:sym typeface="Wingdings" panose="05000000000000000000" pitchFamily="2" charset="2"/>
+                </a:rPr>
+                <a:t>실시간 경매장 가격정보 제공</a:t>
               </a:r>
               <a:endParaRPr lang="en-US" altLang="ko-KR" b="1" dirty="0">
                 <a:latin typeface="나눔바른고딕OTF" panose="02020603020101020101" pitchFamily="18" charset="-127"/>
@@ -14331,8 +15583,52 @@
                   <a:ea typeface="나눔바른고딕OTF" panose="02020603020101020101" pitchFamily="18" charset="-127"/>
                   <a:sym typeface="Wingdings" panose="05000000000000000000" pitchFamily="2" charset="2"/>
                 </a:rPr>
-                <a:t>실시간 경매장 가격정보 제공</a:t>
+                <a:t>경매장 검색 정보 </a:t>
               </a:r>
+              <a:r>
+                <a:rPr lang="en-US" altLang="ko-KR" b="1" dirty="0">
+                  <a:latin typeface="나눔바른고딕OTF" panose="02020603020101020101" pitchFamily="18" charset="-127"/>
+                  <a:ea typeface="나눔바른고딕OTF" panose="02020603020101020101" pitchFamily="18" charset="-127"/>
+                  <a:sym typeface="Wingdings" panose="05000000000000000000" pitchFamily="2" charset="2"/>
+                </a:rPr>
+                <a:t>Gmail </a:t>
+              </a:r>
+              <a:r>
+                <a:rPr lang="ko-KR" altLang="en-US" b="1" dirty="0">
+                  <a:latin typeface="나눔바른고딕OTF" panose="02020603020101020101" pitchFamily="18" charset="-127"/>
+                  <a:ea typeface="나눔바른고딕OTF" panose="02020603020101020101" pitchFamily="18" charset="-127"/>
+                  <a:sym typeface="Wingdings" panose="05000000000000000000" pitchFamily="2" charset="2"/>
+                </a:rPr>
+                <a:t>전송</a:t>
+              </a:r>
+              <a:endParaRPr lang="en-US" altLang="ko-KR" b="1" dirty="0">
+                <a:latin typeface="나눔바른고딕OTF" panose="02020603020101020101" pitchFamily="18" charset="-127"/>
+                <a:ea typeface="나눔바른고딕OTF" panose="02020603020101020101" pitchFamily="18" charset="-127"/>
+                <a:sym typeface="Wingdings" panose="05000000000000000000" pitchFamily="2" charset="2"/>
+              </a:endParaRPr>
+            </a:p>
+            <a:p>
+              <a:pPr marL="285750" indent="-285750">
+                <a:buFont typeface="Wingdings" panose="05000000000000000000" pitchFamily="2" charset="2"/>
+                <a:buChar char=""/>
+              </a:pPr>
+              <a:endParaRPr lang="en-US" altLang="ko-KR" b="1" dirty="0">
+                <a:latin typeface="나눔바른고딕OTF" panose="02020603020101020101" pitchFamily="18" charset="-127"/>
+                <a:ea typeface="나눔바른고딕OTF" panose="02020603020101020101" pitchFamily="18" charset="-127"/>
+                <a:sym typeface="Wingdings" panose="05000000000000000000" pitchFamily="2" charset="2"/>
+              </a:endParaRPr>
+            </a:p>
+            <a:p>
+              <a:r>
+                <a:rPr lang="en-US" altLang="ko-KR" b="1" dirty="0">
+                  <a:latin typeface="나눔바른고딕OTF" panose="02020603020101020101" pitchFamily="18" charset="-127"/>
+                  <a:ea typeface="나눔바른고딕OTF" panose="02020603020101020101" pitchFamily="18" charset="-127"/>
+                  <a:sym typeface="Wingdings" panose="05000000000000000000" pitchFamily="2" charset="2"/>
+                </a:rPr>
+                <a:t>︙</a:t>
+              </a:r>
+            </a:p>
+            <a:p>
               <a:endParaRPr lang="en-US" altLang="ko-KR" b="1" dirty="0">
                 <a:latin typeface="나눔바른고딕OTF" panose="02020603020101020101" pitchFamily="18" charset="-127"/>
                 <a:ea typeface="나눔바른고딕OTF" panose="02020603020101020101" pitchFamily="18" charset="-127"/>
@@ -14593,6 +15889,36 @@
           </a:p>
         </p:txBody>
       </p:sp>
+      <p:pic>
+        <p:nvPicPr>
+          <p:cNvPr id="4" name="그림 3">
+            <a:extLst>
+              <a:ext uri="{FF2B5EF4-FFF2-40B4-BE49-F238E27FC236}">
+                <a16:creationId xmlns:a16="http://schemas.microsoft.com/office/drawing/2014/main" id="{B7B5003F-875C-4283-A1BC-70490AC3D5B0}"/>
+              </a:ext>
+            </a:extLst>
+          </p:cNvPr>
+          <p:cNvPicPr>
+            <a:picLocks noChangeAspect="1"/>
+          </p:cNvPicPr>
+          <p:nvPr/>
+        </p:nvPicPr>
+        <p:blipFill>
+          <a:blip r:embed="rId2"/>
+          <a:stretch>
+            <a:fillRect/>
+          </a:stretch>
+        </p:blipFill>
+        <p:spPr>
+          <a:xfrm>
+            <a:off x="2105608" y="838200"/>
+            <a:ext cx="7980784" cy="5181600"/>
+          </a:xfrm>
+          <a:prstGeom prst="rect">
+            <a:avLst/>
+          </a:prstGeom>
+        </p:spPr>
+      </p:pic>
     </p:spTree>
     <p:extLst>
       <p:ext uri="{BB962C8B-B14F-4D97-AF65-F5344CB8AC3E}">
@@ -15000,9 +16326,9 @@
         <p:grpSpPr>
           <a:xfrm>
             <a:off x="171449" y="895350"/>
-            <a:ext cx="3998214" cy="3203673"/>
+            <a:ext cx="4408940" cy="5419664"/>
             <a:chOff x="171449" y="895350"/>
-            <a:chExt cx="3998214" cy="3203673"/>
+            <a:chExt cx="4408940" cy="5419664"/>
           </a:xfrm>
         </p:grpSpPr>
         <p:sp>
@@ -15059,7 +16385,7 @@
           <p:spPr>
             <a:xfrm>
               <a:off x="733424" y="1790699"/>
-              <a:ext cx="3436239" cy="2308324"/>
+              <a:ext cx="3846965" cy="4524315"/>
             </a:xfrm>
             <a:prstGeom prst="rect">
               <a:avLst/>
@@ -15077,18 +16403,11 @@
                 <a:buChar char=""/>
               </a:pPr>
               <a:r>
-                <a:rPr lang="ko-KR" altLang="en-US" b="1" dirty="0" err="1">
-                  <a:latin typeface="나눔바른고딕OTF" panose="02020603020101020101" pitchFamily="18" charset="-127"/>
-                  <a:ea typeface="나눔바른고딕OTF" panose="02020603020101020101" pitchFamily="18" charset="-127"/>
-                </a:rPr>
-                <a:t>소환사</a:t>
-              </a:r>
-              <a:r>
                 <a:rPr lang="ko-KR" altLang="en-US" b="1" dirty="0">
                   <a:latin typeface="나눔바른고딕OTF" panose="02020603020101020101" pitchFamily="18" charset="-127"/>
                   <a:ea typeface="나눔바른고딕OTF" panose="02020603020101020101" pitchFamily="18" charset="-127"/>
                 </a:rPr>
-                <a:t> 검색</a:t>
+                <a:t>한국서버 소환사명 검색</a:t>
               </a:r>
               <a:endParaRPr lang="en-US" altLang="ko-KR" b="1" dirty="0">
                 <a:latin typeface="나눔바른고딕OTF" panose="02020603020101020101" pitchFamily="18" charset="-127"/>
@@ -15125,9 +16444,104 @@
               </a:endParaRPr>
             </a:p>
             <a:p>
-              <a:pPr marL="285750" indent="-285750">
-                <a:buFont typeface="Wingdings" panose="05000000000000000000" pitchFamily="2" charset="2"/>
-                <a:buChar char=""/>
+              <a:pPr marL="742950" lvl="1" indent="-285750">
+                <a:buFontTx/>
+                <a:buChar char="-"/>
+              </a:pPr>
+              <a:r>
+                <a:rPr lang="ko-KR" altLang="en-US" b="1" dirty="0">
+                  <a:latin typeface="나눔바른고딕OTF" panose="02020603020101020101" pitchFamily="18" charset="-127"/>
+                  <a:ea typeface="나눔바른고딕OTF" panose="02020603020101020101" pitchFamily="18" charset="-127"/>
+                  <a:sym typeface="Wingdings" panose="05000000000000000000" pitchFamily="2" charset="2"/>
+                </a:rPr>
+                <a:t>소환사명</a:t>
+              </a:r>
+              <a:endParaRPr lang="en-US" altLang="ko-KR" b="1" dirty="0">
+                <a:latin typeface="나눔바른고딕OTF" panose="02020603020101020101" pitchFamily="18" charset="-127"/>
+                <a:ea typeface="나눔바른고딕OTF" panose="02020603020101020101" pitchFamily="18" charset="-127"/>
+                <a:sym typeface="Wingdings" panose="05000000000000000000" pitchFamily="2" charset="2"/>
+              </a:endParaRPr>
+            </a:p>
+            <a:p>
+              <a:pPr marL="742950" lvl="1" indent="-285750">
+                <a:buFontTx/>
+                <a:buChar char="-"/>
+              </a:pPr>
+              <a:r>
+                <a:rPr lang="ko-KR" altLang="en-US" b="1" dirty="0" err="1">
+                  <a:latin typeface="나눔바른고딕OTF" panose="02020603020101020101" pitchFamily="18" charset="-127"/>
+                  <a:ea typeface="나눔바른고딕OTF" panose="02020603020101020101" pitchFamily="18" charset="-127"/>
+                  <a:sym typeface="Wingdings" panose="05000000000000000000" pitchFamily="2" charset="2"/>
+                </a:rPr>
+                <a:t>소환사</a:t>
+              </a:r>
+              <a:r>
+                <a:rPr lang="ko-KR" altLang="en-US" b="1" dirty="0">
+                  <a:latin typeface="나눔바른고딕OTF" panose="02020603020101020101" pitchFamily="18" charset="-127"/>
+                  <a:ea typeface="나눔바른고딕OTF" panose="02020603020101020101" pitchFamily="18" charset="-127"/>
+                  <a:sym typeface="Wingdings" panose="05000000000000000000" pitchFamily="2" charset="2"/>
+                </a:rPr>
+                <a:t> 레벨</a:t>
+              </a:r>
+              <a:endParaRPr lang="en-US" altLang="ko-KR" b="1" dirty="0">
+                <a:latin typeface="나눔바른고딕OTF" panose="02020603020101020101" pitchFamily="18" charset="-127"/>
+                <a:ea typeface="나눔바른고딕OTF" panose="02020603020101020101" pitchFamily="18" charset="-127"/>
+                <a:sym typeface="Wingdings" panose="05000000000000000000" pitchFamily="2" charset="2"/>
+              </a:endParaRPr>
+            </a:p>
+            <a:p>
+              <a:pPr marL="742950" lvl="1" indent="-285750">
+                <a:buFontTx/>
+                <a:buChar char="-"/>
+              </a:pPr>
+              <a:r>
+                <a:rPr lang="ko-KR" altLang="en-US" b="1" dirty="0">
+                  <a:latin typeface="나눔바른고딕OTF" panose="02020603020101020101" pitchFamily="18" charset="-127"/>
+                  <a:ea typeface="나눔바른고딕OTF" panose="02020603020101020101" pitchFamily="18" charset="-127"/>
+                  <a:sym typeface="Wingdings" panose="05000000000000000000" pitchFamily="2" charset="2"/>
+                </a:rPr>
+                <a:t>소속 </a:t>
+              </a:r>
+              <a:r>
+                <a:rPr lang="ko-KR" altLang="en-US" b="1" dirty="0" err="1">
+                  <a:latin typeface="나눔바른고딕OTF" panose="02020603020101020101" pitchFamily="18" charset="-127"/>
+                  <a:ea typeface="나눔바른고딕OTF" panose="02020603020101020101" pitchFamily="18" charset="-127"/>
+                  <a:sym typeface="Wingdings" panose="05000000000000000000" pitchFamily="2" charset="2"/>
+                </a:rPr>
+                <a:t>티어</a:t>
+              </a:r>
+              <a:endParaRPr lang="en-US" altLang="ko-KR" b="1" dirty="0">
+                <a:latin typeface="나눔바른고딕OTF" panose="02020603020101020101" pitchFamily="18" charset="-127"/>
+                <a:ea typeface="나눔바른고딕OTF" panose="02020603020101020101" pitchFamily="18" charset="-127"/>
+                <a:sym typeface="Wingdings" panose="05000000000000000000" pitchFamily="2" charset="2"/>
+              </a:endParaRPr>
+            </a:p>
+            <a:p>
+              <a:pPr marL="742950" lvl="1" indent="-285750">
+                <a:buFontTx/>
+                <a:buChar char="-"/>
+              </a:pPr>
+              <a:r>
+                <a:rPr lang="en-US" altLang="ko-KR" b="1" dirty="0">
+                  <a:latin typeface="나눔바른고딕OTF" panose="02020603020101020101" pitchFamily="18" charset="-127"/>
+                  <a:ea typeface="나눔바른고딕OTF" panose="02020603020101020101" pitchFamily="18" charset="-127"/>
+                  <a:sym typeface="Wingdings" panose="05000000000000000000" pitchFamily="2" charset="2"/>
+                </a:rPr>
+                <a:t>LP</a:t>
+              </a:r>
+              <a:r>
+                <a:rPr lang="en-US" altLang="ko-KR" sz="1400" b="1" i="1" dirty="0">
+                  <a:latin typeface="나눔바른고딕OTF" panose="02020603020101020101" pitchFamily="18" charset="-127"/>
+                  <a:ea typeface="나눔바른고딕OTF" panose="02020603020101020101" pitchFamily="18" charset="-127"/>
+                  <a:sym typeface="Wingdings" panose="05000000000000000000" pitchFamily="2" charset="2"/>
+                </a:rPr>
+                <a:t>(League Point)</a:t>
+              </a:r>
+            </a:p>
+            <a:p>
+              <a:pPr marL="742950" lvl="1" indent="-285750">
+                <a:buFontTx/>
+                <a:buChar char="-"/>
               </a:pPr>
               <a:endParaRPr lang="en-US" altLang="ko-KR" b="1" dirty="0">
                 <a:latin typeface="나눔바른고딕OTF" panose="02020603020101020101" pitchFamily="18" charset="-127"/>
@@ -15163,15 +16577,10 @@
               </a:endParaRPr>
             </a:p>
             <a:p>
-              <a:pPr lvl="1"/>
-              <a:r>
-                <a:rPr lang="en-US" altLang="ko-KR" b="1" dirty="0">
-                  <a:latin typeface="나눔바른고딕OTF" panose="02020603020101020101" pitchFamily="18" charset="-127"/>
-                  <a:ea typeface="나눔바른고딕OTF" panose="02020603020101020101" pitchFamily="18" charset="-127"/>
-                  <a:sym typeface="Wingdings" panose="05000000000000000000" pitchFamily="2" charset="2"/>
-                </a:rPr>
-                <a:t>- </a:t>
-              </a:r>
+              <a:pPr marL="742950" lvl="1" indent="-285750">
+                <a:buFontTx/>
+                <a:buChar char="-"/>
+              </a:pPr>
               <a:r>
                 <a:rPr lang="ko-KR" altLang="en-US" b="1" dirty="0">
                   <a:latin typeface="나눔바른고딕OTF" panose="02020603020101020101" pitchFamily="18" charset="-127"/>
@@ -15187,11 +16596,69 @@
               </a:endParaRPr>
             </a:p>
             <a:p>
+              <a:endParaRPr lang="en-US" altLang="ko-KR" dirty="0"/>
+            </a:p>
+            <a:p>
               <a:pPr marL="285750" indent="-285750">
                 <a:buFont typeface="Wingdings" panose="05000000000000000000" pitchFamily="2" charset="2"/>
                 <a:buChar char=""/>
               </a:pPr>
-              <a:endParaRPr lang="en-US" altLang="ko-KR" dirty="0"/>
+              <a:r>
+                <a:rPr lang="ko-KR" altLang="en-US" b="1" dirty="0">
+                  <a:latin typeface="나눔바른고딕OTF" panose="02020603020101020101" pitchFamily="18" charset="-127"/>
+                  <a:ea typeface="나눔바른고딕OTF" panose="02020603020101020101" pitchFamily="18" charset="-127"/>
+                </a:rPr>
+                <a:t>검색된 </a:t>
+              </a:r>
+              <a:r>
+                <a:rPr lang="ko-KR" altLang="en-US" b="1" dirty="0" err="1">
+                  <a:latin typeface="나눔바른고딕OTF" panose="02020603020101020101" pitchFamily="18" charset="-127"/>
+                  <a:ea typeface="나눔바른고딕OTF" panose="02020603020101020101" pitchFamily="18" charset="-127"/>
+                </a:rPr>
+                <a:t>소환사</a:t>
+              </a:r>
+              <a:r>
+                <a:rPr lang="ko-KR" altLang="en-US" b="1" dirty="0">
+                  <a:latin typeface="나눔바른고딕OTF" panose="02020603020101020101" pitchFamily="18" charset="-127"/>
+                  <a:ea typeface="나눔바른고딕OTF" panose="02020603020101020101" pitchFamily="18" charset="-127"/>
+                </a:rPr>
+                <a:t> 관련 정보 </a:t>
+              </a:r>
+              <a:r>
+                <a:rPr lang="en-US" altLang="ko-KR" b="1" dirty="0">
+                  <a:latin typeface="나눔바른고딕OTF" panose="02020603020101020101" pitchFamily="18" charset="-127"/>
+                  <a:ea typeface="나눔바른고딕OTF" panose="02020603020101020101" pitchFamily="18" charset="-127"/>
+                </a:rPr>
+                <a:t>Gmail </a:t>
+              </a:r>
+              <a:r>
+                <a:rPr lang="ko-KR" altLang="en-US" b="1" dirty="0">
+                  <a:latin typeface="나눔바른고딕OTF" panose="02020603020101020101" pitchFamily="18" charset="-127"/>
+                  <a:ea typeface="나눔바른고딕OTF" panose="02020603020101020101" pitchFamily="18" charset="-127"/>
+                </a:rPr>
+                <a:t>전송</a:t>
+              </a:r>
+              <a:endParaRPr lang="en-US" altLang="ko-KR" b="1" dirty="0"/>
+            </a:p>
+            <a:p>
+              <a:pPr marL="285750" indent="-285750">
+                <a:buFont typeface="Wingdings" panose="05000000000000000000" pitchFamily="2" charset="2"/>
+                <a:buChar char=""/>
+              </a:pPr>
+              <a:endParaRPr lang="en-US" altLang="ko-KR" b="1" dirty="0"/>
+            </a:p>
+            <a:p>
+              <a:r>
+                <a:rPr lang="en-US" altLang="ko-KR" b="1" dirty="0">
+                  <a:latin typeface="나눔바른고딕OTF" panose="02020603020101020101" pitchFamily="18" charset="-127"/>
+                  <a:ea typeface="나눔바른고딕OTF" panose="02020603020101020101" pitchFamily="18" charset="-127"/>
+                  <a:sym typeface="Wingdings" panose="05000000000000000000" pitchFamily="2" charset="2"/>
+                </a:rPr>
+                <a:t>︙</a:t>
+              </a:r>
+            </a:p>
+            <a:p>
+              <a:endParaRPr lang="en-US" altLang="ko-KR" b="1" dirty="0"/>
             </a:p>
             <a:p>
               <a:pPr marL="285750" indent="-285750">
@@ -17178,6 +18645,379 @@
           </a:p>
         </p:txBody>
       </p:sp>
+      <p:sp>
+        <p:nvSpPr>
+          <p:cNvPr id="3" name="TextBox 2">
+            <a:extLst>
+              <a:ext uri="{FF2B5EF4-FFF2-40B4-BE49-F238E27FC236}">
+                <a16:creationId xmlns:a16="http://schemas.microsoft.com/office/drawing/2014/main" id="{1C0A9F83-A663-4A82-8DCB-2725EC5AA217}"/>
+              </a:ext>
+            </a:extLst>
+          </p:cNvPr>
+          <p:cNvSpPr txBox="1"/>
+          <p:nvPr/>
+        </p:nvSpPr>
+        <p:spPr>
+          <a:xfrm>
+            <a:off x="2494326" y="1417739"/>
+            <a:ext cx="4795707" cy="4185761"/>
+          </a:xfrm>
+          <a:prstGeom prst="rect">
+            <a:avLst/>
+          </a:prstGeom>
+          <a:noFill/>
+        </p:spPr>
+        <p:txBody>
+          <a:bodyPr wrap="square" rtlCol="0">
+            <a:spAutoFit/>
+          </a:bodyPr>
+          <a:lstStyle/>
+          <a:p>
+            <a:pPr marL="285750" indent="-285750">
+              <a:buFontTx/>
+              <a:buChar char="-"/>
+            </a:pPr>
+            <a:r>
+              <a:rPr lang="ko-KR" altLang="en-US" dirty="0">
+                <a:latin typeface="나눔바른고딕OTF" panose="02020603020101020101" pitchFamily="18" charset="-127"/>
+                <a:ea typeface="나눔바른고딕OTF" panose="02020603020101020101" pitchFamily="18" charset="-127"/>
+              </a:rPr>
+              <a:t>게임 데이터 활용</a:t>
+            </a:r>
+            <a:r>
+              <a:rPr lang="en-US" altLang="ko-KR" dirty="0">
+                <a:latin typeface="나눔바른고딕OTF" panose="02020603020101020101" pitchFamily="18" charset="-127"/>
+                <a:ea typeface="나눔바른고딕OTF" panose="02020603020101020101" pitchFamily="18" charset="-127"/>
+              </a:rPr>
+              <a:t>/</a:t>
+            </a:r>
+            <a:r>
+              <a:rPr lang="ko-KR" altLang="en-US" dirty="0">
+                <a:latin typeface="나눔바른고딕OTF" panose="02020603020101020101" pitchFamily="18" charset="-127"/>
+                <a:ea typeface="나눔바른고딕OTF" panose="02020603020101020101" pitchFamily="18" charset="-127"/>
+              </a:rPr>
+              <a:t>접근 위한 </a:t>
+            </a:r>
+            <a:r>
+              <a:rPr lang="en-US" altLang="ko-KR" dirty="0">
+                <a:latin typeface="나눔바른고딕OTF" panose="02020603020101020101" pitchFamily="18" charset="-127"/>
+                <a:ea typeface="나눔바른고딕OTF" panose="02020603020101020101" pitchFamily="18" charset="-127"/>
+              </a:rPr>
+              <a:t>API KEY </a:t>
+            </a:r>
+            <a:r>
+              <a:rPr lang="ko-KR" altLang="en-US" dirty="0">
+                <a:latin typeface="나눔바른고딕OTF" panose="02020603020101020101" pitchFamily="18" charset="-127"/>
+                <a:ea typeface="나눔바른고딕OTF" panose="02020603020101020101" pitchFamily="18" charset="-127"/>
+              </a:rPr>
+              <a:t>취득 신청</a:t>
+            </a:r>
+            <a:endParaRPr lang="en-US" altLang="ko-KR" dirty="0">
+              <a:latin typeface="나눔바른고딕OTF" panose="02020603020101020101" pitchFamily="18" charset="-127"/>
+              <a:ea typeface="나눔바른고딕OTF" panose="02020603020101020101" pitchFamily="18" charset="-127"/>
+            </a:endParaRPr>
+          </a:p>
+          <a:p>
+            <a:pPr marL="285750" indent="-285750">
+              <a:buFontTx/>
+              <a:buChar char="-"/>
+            </a:pPr>
+            <a:endParaRPr lang="en-US" altLang="ko-KR" dirty="0">
+              <a:latin typeface="나눔바른고딕OTF" panose="02020603020101020101" pitchFamily="18" charset="-127"/>
+              <a:ea typeface="나눔바른고딕OTF" panose="02020603020101020101" pitchFamily="18" charset="-127"/>
+            </a:endParaRPr>
+          </a:p>
+          <a:p>
+            <a:pPr marL="285750" indent="-285750">
+              <a:buFontTx/>
+              <a:buChar char="-"/>
+            </a:pPr>
+            <a:r>
+              <a:rPr lang="ko-KR" altLang="en-US" dirty="0">
+                <a:latin typeface="나눔바른고딕OTF" panose="02020603020101020101" pitchFamily="18" charset="-127"/>
+                <a:ea typeface="나눔바른고딕OTF" panose="02020603020101020101" pitchFamily="18" charset="-127"/>
+              </a:rPr>
+              <a:t>그래픽 리소스 수집</a:t>
+            </a:r>
+            <a:endParaRPr lang="en-US" altLang="ko-KR" dirty="0">
+              <a:latin typeface="나눔바른고딕OTF" panose="02020603020101020101" pitchFamily="18" charset="-127"/>
+              <a:ea typeface="나눔바른고딕OTF" panose="02020603020101020101" pitchFamily="18" charset="-127"/>
+            </a:endParaRPr>
+          </a:p>
+          <a:p>
+            <a:pPr marL="742950" lvl="1" indent="-285750">
+              <a:buFont typeface="Arial" panose="020B0604020202020204" pitchFamily="34" charset="0"/>
+              <a:buChar char="•"/>
+            </a:pPr>
+            <a:r>
+              <a:rPr lang="en-US" altLang="ko-KR" dirty="0">
+                <a:latin typeface="나눔바른고딕OTF" panose="02020603020101020101" pitchFamily="18" charset="-127"/>
+                <a:ea typeface="나눔바른고딕OTF" panose="02020603020101020101" pitchFamily="18" charset="-127"/>
+              </a:rPr>
+              <a:t>DNF </a:t>
+            </a:r>
+            <a:r>
+              <a:rPr lang="ko-KR" altLang="en-US" dirty="0">
+                <a:latin typeface="나눔바른고딕OTF" panose="02020603020101020101" pitchFamily="18" charset="-127"/>
+                <a:ea typeface="나눔바른고딕OTF" panose="02020603020101020101" pitchFamily="18" charset="-127"/>
+              </a:rPr>
+              <a:t>아이템 아이콘</a:t>
+            </a:r>
+            <a:endParaRPr lang="en-US" altLang="ko-KR" dirty="0">
+              <a:latin typeface="나눔바른고딕OTF" panose="02020603020101020101" pitchFamily="18" charset="-127"/>
+              <a:ea typeface="나눔바른고딕OTF" panose="02020603020101020101" pitchFamily="18" charset="-127"/>
+            </a:endParaRPr>
+          </a:p>
+          <a:p>
+            <a:pPr marL="742950" lvl="1" indent="-285750">
+              <a:buFont typeface="Arial" panose="020B0604020202020204" pitchFamily="34" charset="0"/>
+              <a:buChar char="•"/>
+            </a:pPr>
+            <a:r>
+              <a:rPr lang="ko-KR" altLang="en-US" dirty="0" err="1">
+                <a:latin typeface="나눔바른고딕OTF" panose="02020603020101020101" pitchFamily="18" charset="-127"/>
+                <a:ea typeface="나눔바른고딕OTF" panose="02020603020101020101" pitchFamily="18" charset="-127"/>
+              </a:rPr>
+              <a:t>소환사</a:t>
+            </a:r>
+            <a:r>
+              <a:rPr lang="ko-KR" altLang="en-US" dirty="0">
+                <a:latin typeface="나눔바른고딕OTF" panose="02020603020101020101" pitchFamily="18" charset="-127"/>
+                <a:ea typeface="나눔바른고딕OTF" panose="02020603020101020101" pitchFamily="18" charset="-127"/>
+              </a:rPr>
+              <a:t> 아이콘</a:t>
+            </a:r>
+            <a:endParaRPr lang="en-US" altLang="ko-KR" dirty="0">
+              <a:latin typeface="나눔바른고딕OTF" panose="02020603020101020101" pitchFamily="18" charset="-127"/>
+              <a:ea typeface="나눔바른고딕OTF" panose="02020603020101020101" pitchFamily="18" charset="-127"/>
+            </a:endParaRPr>
+          </a:p>
+          <a:p>
+            <a:pPr marL="742950" lvl="1" indent="-285750">
+              <a:buFont typeface="Arial" panose="020B0604020202020204" pitchFamily="34" charset="0"/>
+              <a:buChar char="•"/>
+            </a:pPr>
+            <a:r>
+              <a:rPr lang="ko-KR" altLang="en-US" dirty="0" err="1">
+                <a:latin typeface="나눔바른고딕OTF" panose="02020603020101020101" pitchFamily="18" charset="-127"/>
+                <a:ea typeface="나눔바른고딕OTF" panose="02020603020101020101" pitchFamily="18" charset="-127"/>
+              </a:rPr>
+              <a:t>티어</a:t>
+            </a:r>
+            <a:r>
+              <a:rPr lang="ko-KR" altLang="en-US" dirty="0">
+                <a:latin typeface="나눔바른고딕OTF" panose="02020603020101020101" pitchFamily="18" charset="-127"/>
+                <a:ea typeface="나눔바른고딕OTF" panose="02020603020101020101" pitchFamily="18" charset="-127"/>
+              </a:rPr>
+              <a:t> 아이콘</a:t>
+            </a:r>
+            <a:endParaRPr lang="en-US" altLang="ko-KR" dirty="0">
+              <a:latin typeface="나눔바른고딕OTF" panose="02020603020101020101" pitchFamily="18" charset="-127"/>
+              <a:ea typeface="나눔바른고딕OTF" panose="02020603020101020101" pitchFamily="18" charset="-127"/>
+            </a:endParaRPr>
+          </a:p>
+          <a:p>
+            <a:pPr lvl="1"/>
+            <a:r>
+              <a:rPr lang="en-US" altLang="ko-KR" b="1" dirty="0">
+                <a:latin typeface="나눔바른고딕OTF" panose="02020603020101020101" pitchFamily="18" charset="-127"/>
+                <a:ea typeface="나눔바른고딕OTF" panose="02020603020101020101" pitchFamily="18" charset="-127"/>
+                <a:sym typeface="Wingdings" panose="05000000000000000000" pitchFamily="2" charset="2"/>
+              </a:rPr>
+              <a:t>	    ︙</a:t>
+            </a:r>
+          </a:p>
+          <a:p>
+            <a:pPr lvl="1"/>
+            <a:endParaRPr lang="en-US" altLang="ko-KR" dirty="0">
+              <a:latin typeface="나눔바른고딕OTF" panose="02020603020101020101" pitchFamily="18" charset="-127"/>
+              <a:ea typeface="나눔바른고딕OTF" panose="02020603020101020101" pitchFamily="18" charset="-127"/>
+            </a:endParaRPr>
+          </a:p>
+          <a:p>
+            <a:pPr marL="285750" indent="-285750">
+              <a:buFontTx/>
+              <a:buChar char="-"/>
+            </a:pPr>
+            <a:r>
+              <a:rPr lang="ko-KR" altLang="en-US" dirty="0">
+                <a:latin typeface="나눔바른고딕OTF" panose="02020603020101020101" pitchFamily="18" charset="-127"/>
+                <a:ea typeface="나눔바른고딕OTF" panose="02020603020101020101" pitchFamily="18" charset="-127"/>
+              </a:rPr>
+              <a:t>기획안 마감</a:t>
+            </a:r>
+            <a:endParaRPr lang="en-US" altLang="ko-KR" dirty="0">
+              <a:latin typeface="나눔바른고딕OTF" panose="02020603020101020101" pitchFamily="18" charset="-127"/>
+              <a:ea typeface="나눔바른고딕OTF" panose="02020603020101020101" pitchFamily="18" charset="-127"/>
+            </a:endParaRPr>
+          </a:p>
+          <a:p>
+            <a:pPr marL="285750" indent="-285750">
+              <a:buFontTx/>
+              <a:buChar char="-"/>
+            </a:pPr>
+            <a:endParaRPr lang="en-US" altLang="ko-KR" dirty="0">
+              <a:latin typeface="나눔바른고딕OTF" panose="02020603020101020101" pitchFamily="18" charset="-127"/>
+              <a:ea typeface="나눔바른고딕OTF" panose="02020603020101020101" pitchFamily="18" charset="-127"/>
+            </a:endParaRPr>
+          </a:p>
+          <a:p>
+            <a:pPr marL="285750" indent="-285750">
+              <a:buFontTx/>
+              <a:buChar char="-"/>
+            </a:pPr>
+            <a:r>
+              <a:rPr lang="ko-KR" altLang="en-US" dirty="0">
+                <a:latin typeface="나눔바른고딕OTF" panose="02020603020101020101" pitchFamily="18" charset="-127"/>
+                <a:ea typeface="나눔바른고딕OTF" panose="02020603020101020101" pitchFamily="18" charset="-127"/>
+              </a:rPr>
+              <a:t>기획 발표 </a:t>
+            </a:r>
+            <a:r>
+              <a:rPr lang="en-US" altLang="ko-KR" dirty="0">
+                <a:latin typeface="나눔바른고딕OTF" panose="02020603020101020101" pitchFamily="18" charset="-127"/>
+                <a:ea typeface="나눔바른고딕OTF" panose="02020603020101020101" pitchFamily="18" charset="-127"/>
+              </a:rPr>
+              <a:t>PPT </a:t>
+            </a:r>
+            <a:r>
+              <a:rPr lang="ko-KR" altLang="en-US" dirty="0">
+                <a:latin typeface="나눔바른고딕OTF" panose="02020603020101020101" pitchFamily="18" charset="-127"/>
+                <a:ea typeface="나눔바른고딕OTF" panose="02020603020101020101" pitchFamily="18" charset="-127"/>
+              </a:rPr>
+              <a:t>작성</a:t>
+            </a:r>
+            <a:endParaRPr lang="en-US" altLang="ko-KR" dirty="0">
+              <a:latin typeface="나눔바른고딕OTF" panose="02020603020101020101" pitchFamily="18" charset="-127"/>
+              <a:ea typeface="나눔바른고딕OTF" panose="02020603020101020101" pitchFamily="18" charset="-127"/>
+            </a:endParaRPr>
+          </a:p>
+          <a:p>
+            <a:pPr marL="285750" indent="-285750">
+              <a:buFontTx/>
+              <a:buChar char="-"/>
+            </a:pPr>
+            <a:endParaRPr lang="en-US" altLang="ko-KR" dirty="0">
+              <a:latin typeface="나눔바른고딕OTF" panose="02020603020101020101" pitchFamily="18" charset="-127"/>
+              <a:ea typeface="나눔바른고딕OTF" panose="02020603020101020101" pitchFamily="18" charset="-127"/>
+            </a:endParaRPr>
+          </a:p>
+          <a:p>
+            <a:pPr marL="285750" indent="-285750">
+              <a:buFontTx/>
+              <a:buChar char="-"/>
+            </a:pPr>
+            <a:r>
+              <a:rPr lang="en-US" altLang="ko-KR" dirty="0">
+                <a:latin typeface="나눔바른고딕OTF" panose="02020603020101020101" pitchFamily="18" charset="-127"/>
+                <a:ea typeface="나눔바른고딕OTF" panose="02020603020101020101" pitchFamily="18" charset="-127"/>
+              </a:rPr>
+              <a:t>Git</a:t>
+            </a:r>
+            <a:r>
+              <a:rPr lang="ko-KR" altLang="en-US" dirty="0">
+                <a:latin typeface="나눔바른고딕OTF" panose="02020603020101020101" pitchFamily="18" charset="-127"/>
+                <a:ea typeface="나눔바른고딕OTF" panose="02020603020101020101" pitchFamily="18" charset="-127"/>
+              </a:rPr>
+              <a:t> </a:t>
+            </a:r>
+            <a:r>
+              <a:rPr lang="en-US" altLang="ko-KR" dirty="0">
+                <a:latin typeface="나눔바른고딕OTF" panose="02020603020101020101" pitchFamily="18" charset="-127"/>
+                <a:ea typeface="나눔바른고딕OTF" panose="02020603020101020101" pitchFamily="18" charset="-127"/>
+              </a:rPr>
+              <a:t>Hub</a:t>
+            </a:r>
+            <a:r>
+              <a:rPr lang="ko-KR" altLang="en-US" dirty="0">
+                <a:latin typeface="나눔바른고딕OTF" panose="02020603020101020101" pitchFamily="18" charset="-127"/>
+                <a:ea typeface="나눔바른고딕OTF" panose="02020603020101020101" pitchFamily="18" charset="-127"/>
+              </a:rPr>
+              <a:t> </a:t>
+            </a:r>
+            <a:r>
+              <a:rPr lang="en-US" altLang="ko-KR" dirty="0">
+                <a:latin typeface="나눔바른고딕OTF" panose="02020603020101020101" pitchFamily="18" charset="-127"/>
+                <a:ea typeface="나눔바른고딕OTF" panose="02020603020101020101" pitchFamily="18" charset="-127"/>
+              </a:rPr>
+              <a:t>remote</a:t>
+            </a:r>
+            <a:r>
+              <a:rPr lang="ko-KR" altLang="en-US" dirty="0">
+                <a:latin typeface="나눔바른고딕OTF" panose="02020603020101020101" pitchFamily="18" charset="-127"/>
+                <a:ea typeface="나눔바른고딕OTF" panose="02020603020101020101" pitchFamily="18" charset="-127"/>
+              </a:rPr>
+              <a:t> </a:t>
+            </a:r>
+            <a:r>
+              <a:rPr lang="en-US" altLang="ko-KR" dirty="0">
+                <a:latin typeface="나눔바른고딕OTF" panose="02020603020101020101" pitchFamily="18" charset="-127"/>
+                <a:ea typeface="나눔바른고딕OTF" panose="02020603020101020101" pitchFamily="18" charset="-127"/>
+              </a:rPr>
+              <a:t>repository </a:t>
+            </a:r>
+            <a:r>
+              <a:rPr lang="ko-KR" altLang="en-US" dirty="0">
+                <a:latin typeface="나눔바른고딕OTF" panose="02020603020101020101" pitchFamily="18" charset="-127"/>
+                <a:ea typeface="나눔바른고딕OTF" panose="02020603020101020101" pitchFamily="18" charset="-127"/>
+              </a:rPr>
+              <a:t>생성</a:t>
+            </a:r>
+            <a:endParaRPr lang="en-US" altLang="ko-KR" dirty="0">
+              <a:latin typeface="나눔바른고딕OTF" panose="02020603020101020101" pitchFamily="18" charset="-127"/>
+              <a:ea typeface="나눔바른고딕OTF" panose="02020603020101020101" pitchFamily="18" charset="-127"/>
+            </a:endParaRPr>
+          </a:p>
+          <a:p>
+            <a:pPr marL="285750" indent="-285750">
+              <a:buFontTx/>
+              <a:buChar char="-"/>
+            </a:pPr>
+            <a:endParaRPr lang="en-US" altLang="ko-KR" dirty="0">
+              <a:latin typeface="나눔바른고딕OTF" panose="02020603020101020101" pitchFamily="18" charset="-127"/>
+              <a:ea typeface="나눔바른고딕OTF" panose="02020603020101020101" pitchFamily="18" charset="-127"/>
+            </a:endParaRPr>
+          </a:p>
+          <a:p>
+            <a:pPr algn="r"/>
+            <a:r>
+              <a:rPr lang="en-US" altLang="ko-KR" sz="1400" i="1" dirty="0">
+                <a:latin typeface="나눔바른고딕OTF" panose="02020603020101020101" pitchFamily="18" charset="-127"/>
+                <a:ea typeface="나눔바른고딕OTF" panose="02020603020101020101" pitchFamily="18" charset="-127"/>
+              </a:rPr>
+              <a:t>(</a:t>
+            </a:r>
+            <a:r>
+              <a:rPr lang="ko-KR" altLang="en-US" sz="1400" i="1" dirty="0">
+                <a:latin typeface="나눔바른고딕OTF" panose="02020603020101020101" pitchFamily="18" charset="-127"/>
+                <a:ea typeface="나눔바른고딕OTF" panose="02020603020101020101" pitchFamily="18" charset="-127"/>
+              </a:rPr>
+              <a:t>강의 </a:t>
+            </a:r>
+            <a:r>
+              <a:rPr lang="en-US" altLang="ko-KR" sz="1400" i="1" dirty="0">
+                <a:latin typeface="나눔바른고딕OTF" panose="02020603020101020101" pitchFamily="18" charset="-127"/>
+                <a:ea typeface="나눔바른고딕OTF" panose="02020603020101020101" pitchFamily="18" charset="-127"/>
+              </a:rPr>
+              <a:t>10~11</a:t>
+            </a:r>
+            <a:r>
+              <a:rPr lang="ko-KR" altLang="en-US" sz="1400" i="1" dirty="0">
+                <a:latin typeface="나눔바른고딕OTF" panose="02020603020101020101" pitchFamily="18" charset="-127"/>
+                <a:ea typeface="나눔바른고딕OTF" panose="02020603020101020101" pitchFamily="18" charset="-127"/>
+              </a:rPr>
+              <a:t>주차</a:t>
+            </a:r>
+            <a:r>
+              <a:rPr lang="en-US" altLang="ko-KR" sz="1400" i="1" dirty="0">
+                <a:latin typeface="나눔바른고딕OTF" panose="02020603020101020101" pitchFamily="18" charset="-127"/>
+                <a:ea typeface="나눔바른고딕OTF" panose="02020603020101020101" pitchFamily="18" charset="-127"/>
+              </a:rPr>
+              <a:t>)</a:t>
+            </a:r>
+          </a:p>
+        </p:txBody>
+      </p:sp>
     </p:spTree>
     <p:extLst>
       <p:ext uri="{BB962C8B-B14F-4D97-AF65-F5344CB8AC3E}">
